--- a/Day 13/Array C++.pptx
+++ b/Day 13/Array C++.pptx
@@ -11,18 +11,9 @@
     <p:sldId id="259" r:id="rId5"/>
     <p:sldId id="260" r:id="rId6"/>
     <p:sldId id="261" r:id="rId7"/>
-    <p:sldId id="262" r:id="rId8"/>
-    <p:sldId id="263" r:id="rId9"/>
-    <p:sldId id="264" r:id="rId10"/>
-    <p:sldId id="265" r:id="rId11"/>
-    <p:sldId id="266" r:id="rId12"/>
-    <p:sldId id="267" r:id="rId13"/>
-    <p:sldId id="268" r:id="rId14"/>
-    <p:sldId id="269" r:id="rId15"/>
-    <p:sldId id="270" r:id="rId16"/>
-    <p:sldId id="271" r:id="rId17"/>
-    <p:sldId id="272" r:id="rId18"/>
-    <p:sldId id="273" r:id="rId19"/>
+    <p:sldId id="274" r:id="rId8"/>
+    <p:sldId id="262" r:id="rId9"/>
+    <p:sldId id="263" r:id="rId10"/>
   </p:sldIdLst>
   <p:sldSz cx="11522075" cy="7921625"/>
   <p:notesSz cx="9144000" cy="6858000"/>
@@ -3356,3625 +3347,6 @@
 </p:sld>
 </file>
 
-<file path=ppt/slides/slide10.xml><?xml version="1.0" encoding="utf-8"?>
-<p:sld xmlns:a="http://schemas.openxmlformats.org/drawingml/2006/main" xmlns:r="http://schemas.openxmlformats.org/officeDocument/2006/relationships" xmlns:p="http://schemas.openxmlformats.org/presentationml/2006/main">
-  <p:cSld>
-    <p:spTree>
-      <p:nvGrpSpPr>
-        <p:cNvPr id="1" name=""/>
-        <p:cNvGrpSpPr/>
-        <p:nvPr/>
-      </p:nvGrpSpPr>
-      <p:grpSpPr>
-        <a:xfrm>
-          <a:off x="0" y="0"/>
-          <a:ext cx="0" cy="0"/>
-          <a:chOff x="0" y="0"/>
-          <a:chExt cx="0" cy="0"/>
-        </a:xfrm>
-      </p:grpSpPr>
-      <p:pic>
-        <p:nvPicPr>
-          <p:cNvPr id="4" name="Picture 3"/>
-          <p:cNvPicPr>
-            <a:picLocks noChangeAspect="1"/>
-          </p:cNvPicPr>
-          <p:nvPr/>
-        </p:nvPicPr>
-        <p:blipFill>
-          <a:blip r:embed="rId2" cstate="print">
-            <a:extLst>
-              <a:ext uri="{28A0092B-C50C-407E-A947-70E740481C1C}">
-                <a14:useLocalDpi xmlns:a14="http://schemas.microsoft.com/office/drawing/2010/main" val="0"/>
-              </a:ext>
-            </a:extLst>
-          </a:blip>
-          <a:stretch>
-            <a:fillRect/>
-          </a:stretch>
-        </p:blipFill>
-        <p:spPr>
-          <a:xfrm>
-            <a:off x="10085409" y="216396"/>
-            <a:ext cx="973082" cy="720080"/>
-          </a:xfrm>
-          <a:prstGeom prst="rect">
-            <a:avLst/>
-          </a:prstGeom>
-        </p:spPr>
-      </p:pic>
-      <p:sp>
-        <p:nvSpPr>
-          <p:cNvPr id="5" name="TextBox 4"/>
-          <p:cNvSpPr txBox="1"/>
-          <p:nvPr/>
-        </p:nvSpPr>
-        <p:spPr>
-          <a:xfrm>
-            <a:off x="576461" y="576436"/>
-            <a:ext cx="4320480" cy="430887"/>
-          </a:xfrm>
-          <a:prstGeom prst="rect">
-            <a:avLst/>
-          </a:prstGeom>
-          <a:noFill/>
-        </p:spPr>
-        <p:txBody>
-          <a:bodyPr wrap="square" rtlCol="0">
-            <a:spAutoFit/>
-          </a:bodyPr>
-          <a:lstStyle/>
-          <a:p>
-            <a:r>
-              <a:rPr lang="en-IN" b="1" dirty="0" smtClean="0"/>
-              <a:t>4. Reverse </a:t>
-            </a:r>
-            <a:r>
-              <a:rPr lang="en-IN" b="1" dirty="0"/>
-              <a:t>Array Print</a:t>
-            </a:r>
-            <a:endParaRPr lang="en-IN" b="1" dirty="0">
-              <a:solidFill>
-                <a:srgbClr val="002060"/>
-              </a:solidFill>
-            </a:endParaRPr>
-          </a:p>
-        </p:txBody>
-      </p:sp>
-      <p:sp>
-        <p:nvSpPr>
-          <p:cNvPr id="2" name="Rectangle 1"/>
-          <p:cNvSpPr/>
-          <p:nvPr/>
-        </p:nvSpPr>
-        <p:spPr>
-          <a:xfrm>
-            <a:off x="648469" y="1296516"/>
-            <a:ext cx="5759450" cy="4493538"/>
-          </a:xfrm>
-          <a:prstGeom prst="rect">
-            <a:avLst/>
-          </a:prstGeom>
-          <a:gradFill>
-            <a:gsLst>
-              <a:gs pos="0">
-                <a:schemeClr val="accent1">
-                  <a:tint val="66000"/>
-                  <a:satMod val="160000"/>
-                </a:schemeClr>
-              </a:gs>
-              <a:gs pos="50000">
-                <a:schemeClr val="accent1">
-                  <a:tint val="44500"/>
-                  <a:satMod val="160000"/>
-                </a:schemeClr>
-              </a:gs>
-              <a:gs pos="100000">
-                <a:schemeClr val="accent1">
-                  <a:tint val="23500"/>
-                  <a:satMod val="160000"/>
-                </a:schemeClr>
-              </a:gs>
-            </a:gsLst>
-            <a:lin ang="5400000" scaled="0"/>
-          </a:gradFill>
-          <a:ln cmpd="tri">
-            <a:noFill/>
-          </a:ln>
-        </p:spPr>
-        <p:txBody>
-          <a:bodyPr>
-            <a:spAutoFit/>
-          </a:bodyPr>
-          <a:lstStyle/>
-          <a:p>
-            <a:r>
-              <a:rPr lang="en-IN" b="1" dirty="0"/>
-              <a:t>#include &lt;</a:t>
-            </a:r>
-            <a:r>
-              <a:rPr lang="en-IN" b="1" dirty="0" err="1"/>
-              <a:t>iostream</a:t>
-            </a:r>
-            <a:r>
-              <a:rPr lang="en-IN" b="1" dirty="0"/>
-              <a:t>&gt;</a:t>
-            </a:r>
-          </a:p>
-          <a:p>
-            <a:r>
-              <a:rPr lang="en-IN" b="1" dirty="0"/>
-              <a:t>using namespace </a:t>
-            </a:r>
-            <a:r>
-              <a:rPr lang="en-IN" b="1" dirty="0" err="1"/>
-              <a:t>std</a:t>
-            </a:r>
-            <a:r>
-              <a:rPr lang="en-IN" b="1" dirty="0"/>
-              <a:t>;</a:t>
-            </a:r>
-          </a:p>
-          <a:p>
-            <a:endParaRPr lang="en-IN" b="1" dirty="0"/>
-          </a:p>
-          <a:p>
-            <a:r>
-              <a:rPr lang="en-IN" b="1" dirty="0" err="1"/>
-              <a:t>int</a:t>
-            </a:r>
-            <a:r>
-              <a:rPr lang="en-IN" b="1" dirty="0"/>
-              <a:t> main() {</a:t>
-            </a:r>
-          </a:p>
-          <a:p>
-            <a:r>
-              <a:rPr lang="en-IN" b="1" dirty="0"/>
-              <a:t>    </a:t>
-            </a:r>
-            <a:r>
-              <a:rPr lang="en-IN" b="1" dirty="0" err="1"/>
-              <a:t>int</a:t>
-            </a:r>
-            <a:r>
-              <a:rPr lang="en-IN" b="1" dirty="0"/>
-              <a:t> </a:t>
-            </a:r>
-            <a:r>
-              <a:rPr lang="en-IN" b="1" dirty="0" err="1"/>
-              <a:t>arr</a:t>
-            </a:r>
-            <a:r>
-              <a:rPr lang="en-IN" b="1" dirty="0"/>
-              <a:t>[5] = {1, 2, 3, 4, 5};</a:t>
-            </a:r>
-          </a:p>
-          <a:p>
-            <a:endParaRPr lang="en-IN" b="1" dirty="0"/>
-          </a:p>
-          <a:p>
-            <a:r>
-              <a:rPr lang="en-IN" b="1" dirty="0"/>
-              <a:t>    </a:t>
-            </a:r>
-            <a:r>
-              <a:rPr lang="en-IN" b="1" dirty="0" err="1"/>
-              <a:t>cout</a:t>
-            </a:r>
-            <a:r>
-              <a:rPr lang="en-IN" b="1" dirty="0"/>
-              <a:t> &lt;&lt; "Reverse: ";</a:t>
-            </a:r>
-          </a:p>
-          <a:p>
-            <a:r>
-              <a:rPr lang="en-IN" b="1" dirty="0"/>
-              <a:t>    for(</a:t>
-            </a:r>
-            <a:r>
-              <a:rPr lang="en-IN" b="1" dirty="0" err="1"/>
-              <a:t>int</a:t>
-            </a:r>
-            <a:r>
-              <a:rPr lang="en-IN" b="1" dirty="0"/>
-              <a:t> i = 4; i &gt;= 0; i--) {</a:t>
-            </a:r>
-          </a:p>
-          <a:p>
-            <a:r>
-              <a:rPr lang="en-IN" b="1" dirty="0"/>
-              <a:t>        </a:t>
-            </a:r>
-            <a:r>
-              <a:rPr lang="en-IN" b="1" dirty="0" err="1"/>
-              <a:t>cout</a:t>
-            </a:r>
-            <a:r>
-              <a:rPr lang="en-IN" b="1" dirty="0"/>
-              <a:t> &lt;&lt; </a:t>
-            </a:r>
-            <a:r>
-              <a:rPr lang="en-IN" b="1" dirty="0" err="1"/>
-              <a:t>arr</a:t>
-            </a:r>
-            <a:r>
-              <a:rPr lang="en-IN" b="1" dirty="0"/>
-              <a:t>[i] &lt;&lt; " ";</a:t>
-            </a:r>
-          </a:p>
-          <a:p>
-            <a:r>
-              <a:rPr lang="en-IN" b="1" dirty="0"/>
-              <a:t>    }</a:t>
-            </a:r>
-          </a:p>
-          <a:p>
-            <a:endParaRPr lang="en-IN" b="1" dirty="0"/>
-          </a:p>
-          <a:p>
-            <a:r>
-              <a:rPr lang="en-IN" b="1" dirty="0"/>
-              <a:t>    return 0;</a:t>
-            </a:r>
-          </a:p>
-          <a:p>
-            <a:r>
-              <a:rPr lang="en-IN" b="1" dirty="0"/>
-              <a:t>}</a:t>
-            </a:r>
-          </a:p>
-        </p:txBody>
-      </p:sp>
-      <p:sp>
-        <p:nvSpPr>
-          <p:cNvPr id="11" name="Rectangle 10"/>
-          <p:cNvSpPr/>
-          <p:nvPr/>
-        </p:nvSpPr>
-        <p:spPr>
-          <a:xfrm>
-            <a:off x="6418826" y="5330244"/>
-            <a:ext cx="3456384" cy="430887"/>
-          </a:xfrm>
-          <a:prstGeom prst="rect">
-            <a:avLst/>
-          </a:prstGeom>
-          <a:solidFill>
-            <a:schemeClr val="tx1"/>
-          </a:solidFill>
-          <a:ln cmpd="tri">
-            <a:solidFill>
-              <a:schemeClr val="tx1"/>
-            </a:solidFill>
-          </a:ln>
-        </p:spPr>
-        <p:txBody>
-          <a:bodyPr wrap="square">
-            <a:spAutoFit/>
-          </a:bodyPr>
-          <a:lstStyle/>
-          <a:p>
-            <a:r>
-              <a:rPr lang="en-US" b="1" dirty="0">
-                <a:solidFill>
-                  <a:srgbClr val="FFFF00"/>
-                </a:solidFill>
-              </a:rPr>
-              <a:t>Reverse: 5 4 3 2 1</a:t>
-            </a:r>
-            <a:endParaRPr lang="en-IN" b="1" dirty="0" smtClean="0">
-              <a:solidFill>
-                <a:srgbClr val="FFFF00"/>
-              </a:solidFill>
-            </a:endParaRPr>
-          </a:p>
-        </p:txBody>
-      </p:sp>
-    </p:spTree>
-    <p:extLst>
-      <p:ext uri="{BB962C8B-B14F-4D97-AF65-F5344CB8AC3E}">
-        <p14:creationId xmlns:p14="http://schemas.microsoft.com/office/powerpoint/2010/main" val="191410887"/>
-      </p:ext>
-    </p:extLst>
-  </p:cSld>
-  <p:clrMapOvr>
-    <a:masterClrMapping/>
-  </p:clrMapOvr>
-  <p:timing>
-    <p:tnLst>
-      <p:par>
-        <p:cTn id="1" dur="indefinite" restart="never" nodeType="tmRoot"/>
-      </p:par>
-    </p:tnLst>
-  </p:timing>
-</p:sld>
-</file>
-
-<file path=ppt/slides/slide11.xml><?xml version="1.0" encoding="utf-8"?>
-<p:sld xmlns:a="http://schemas.openxmlformats.org/drawingml/2006/main" xmlns:r="http://schemas.openxmlformats.org/officeDocument/2006/relationships" xmlns:p="http://schemas.openxmlformats.org/presentationml/2006/main">
-  <p:cSld>
-    <p:spTree>
-      <p:nvGrpSpPr>
-        <p:cNvPr id="1" name=""/>
-        <p:cNvGrpSpPr/>
-        <p:nvPr/>
-      </p:nvGrpSpPr>
-      <p:grpSpPr>
-        <a:xfrm>
-          <a:off x="0" y="0"/>
-          <a:ext cx="0" cy="0"/>
-          <a:chOff x="0" y="0"/>
-          <a:chExt cx="0" cy="0"/>
-        </a:xfrm>
-      </p:grpSpPr>
-      <p:pic>
-        <p:nvPicPr>
-          <p:cNvPr id="4" name="Picture 3"/>
-          <p:cNvPicPr>
-            <a:picLocks noChangeAspect="1"/>
-          </p:cNvPicPr>
-          <p:nvPr/>
-        </p:nvPicPr>
-        <p:blipFill>
-          <a:blip r:embed="rId2" cstate="print">
-            <a:extLst>
-              <a:ext uri="{28A0092B-C50C-407E-A947-70E740481C1C}">
-                <a14:useLocalDpi xmlns:a14="http://schemas.microsoft.com/office/drawing/2010/main" val="0"/>
-              </a:ext>
-            </a:extLst>
-          </a:blip>
-          <a:stretch>
-            <a:fillRect/>
-          </a:stretch>
-        </p:blipFill>
-        <p:spPr>
-          <a:xfrm>
-            <a:off x="10085409" y="216396"/>
-            <a:ext cx="973082" cy="720080"/>
-          </a:xfrm>
-          <a:prstGeom prst="rect">
-            <a:avLst/>
-          </a:prstGeom>
-        </p:spPr>
-      </p:pic>
-      <p:sp>
-        <p:nvSpPr>
-          <p:cNvPr id="5" name="TextBox 4"/>
-          <p:cNvSpPr txBox="1"/>
-          <p:nvPr/>
-        </p:nvSpPr>
-        <p:spPr>
-          <a:xfrm>
-            <a:off x="576461" y="576436"/>
-            <a:ext cx="4320480" cy="430887"/>
-          </a:xfrm>
-          <a:prstGeom prst="rect">
-            <a:avLst/>
-          </a:prstGeom>
-          <a:noFill/>
-        </p:spPr>
-        <p:txBody>
-          <a:bodyPr wrap="square" rtlCol="0">
-            <a:spAutoFit/>
-          </a:bodyPr>
-          <a:lstStyle/>
-          <a:p>
-            <a:r>
-              <a:rPr lang="en-US" b="1" dirty="0" smtClean="0"/>
-              <a:t>5. Count </a:t>
-            </a:r>
-            <a:r>
-              <a:rPr lang="en-US" b="1" dirty="0"/>
-              <a:t>Even and Odd Elements</a:t>
-            </a:r>
-            <a:endParaRPr lang="en-IN" b="1" dirty="0">
-              <a:solidFill>
-                <a:srgbClr val="002060"/>
-              </a:solidFill>
-            </a:endParaRPr>
-          </a:p>
-        </p:txBody>
-      </p:sp>
-      <p:sp>
-        <p:nvSpPr>
-          <p:cNvPr id="2" name="Rectangle 1"/>
-          <p:cNvSpPr/>
-          <p:nvPr/>
-        </p:nvSpPr>
-        <p:spPr>
-          <a:xfrm>
-            <a:off x="648469" y="1296516"/>
-            <a:ext cx="6696744" cy="5509200"/>
-          </a:xfrm>
-          <a:prstGeom prst="rect">
-            <a:avLst/>
-          </a:prstGeom>
-          <a:gradFill>
-            <a:gsLst>
-              <a:gs pos="0">
-                <a:schemeClr val="accent1">
-                  <a:tint val="66000"/>
-                  <a:satMod val="160000"/>
-                </a:schemeClr>
-              </a:gs>
-              <a:gs pos="50000">
-                <a:schemeClr val="accent1">
-                  <a:tint val="44500"/>
-                  <a:satMod val="160000"/>
-                </a:schemeClr>
-              </a:gs>
-              <a:gs pos="100000">
-                <a:schemeClr val="accent1">
-                  <a:tint val="23500"/>
-                  <a:satMod val="160000"/>
-                </a:schemeClr>
-              </a:gs>
-            </a:gsLst>
-            <a:lin ang="5400000" scaled="0"/>
-          </a:gradFill>
-          <a:ln cmpd="tri">
-            <a:noFill/>
-          </a:ln>
-        </p:spPr>
-        <p:txBody>
-          <a:bodyPr wrap="square">
-            <a:spAutoFit/>
-          </a:bodyPr>
-          <a:lstStyle/>
-          <a:p>
-            <a:r>
-              <a:rPr lang="en-IN" b="1" dirty="0"/>
-              <a:t>#include &lt;</a:t>
-            </a:r>
-            <a:r>
-              <a:rPr lang="en-IN" b="1" dirty="0" err="1"/>
-              <a:t>iostream</a:t>
-            </a:r>
-            <a:r>
-              <a:rPr lang="en-IN" b="1" dirty="0"/>
-              <a:t>&gt;</a:t>
-            </a:r>
-          </a:p>
-          <a:p>
-            <a:r>
-              <a:rPr lang="en-IN" b="1" dirty="0"/>
-              <a:t>using namespace </a:t>
-            </a:r>
-            <a:r>
-              <a:rPr lang="en-IN" b="1" dirty="0" err="1"/>
-              <a:t>std</a:t>
-            </a:r>
-            <a:r>
-              <a:rPr lang="en-IN" b="1" dirty="0"/>
-              <a:t>;</a:t>
-            </a:r>
-          </a:p>
-          <a:p>
-            <a:endParaRPr lang="en-IN" b="1" dirty="0"/>
-          </a:p>
-          <a:p>
-            <a:r>
-              <a:rPr lang="en-IN" b="1" dirty="0" err="1"/>
-              <a:t>int</a:t>
-            </a:r>
-            <a:r>
-              <a:rPr lang="en-IN" b="1" dirty="0"/>
-              <a:t> main() {</a:t>
-            </a:r>
-          </a:p>
-          <a:p>
-            <a:r>
-              <a:rPr lang="en-IN" b="1" dirty="0"/>
-              <a:t>    </a:t>
-            </a:r>
-            <a:r>
-              <a:rPr lang="en-IN" b="1" dirty="0" err="1"/>
-              <a:t>int</a:t>
-            </a:r>
-            <a:r>
-              <a:rPr lang="en-IN" b="1" dirty="0"/>
-              <a:t> </a:t>
-            </a:r>
-            <a:r>
-              <a:rPr lang="en-IN" b="1" dirty="0" err="1"/>
-              <a:t>arr</a:t>
-            </a:r>
-            <a:r>
-              <a:rPr lang="en-IN" b="1" dirty="0"/>
-              <a:t>[6] = {2, 5, 8, 9, 4, 11}, even = 0, odd = 0;</a:t>
-            </a:r>
-          </a:p>
-          <a:p>
-            <a:endParaRPr lang="en-IN" b="1" dirty="0"/>
-          </a:p>
-          <a:p>
-            <a:r>
-              <a:rPr lang="en-IN" b="1" dirty="0"/>
-              <a:t>    for(</a:t>
-            </a:r>
-            <a:r>
-              <a:rPr lang="en-IN" b="1" dirty="0" err="1"/>
-              <a:t>int</a:t>
-            </a:r>
-            <a:r>
-              <a:rPr lang="en-IN" b="1" dirty="0"/>
-              <a:t> i = 0; i &lt; 6; i++) {</a:t>
-            </a:r>
-          </a:p>
-          <a:p>
-            <a:r>
-              <a:rPr lang="en-IN" b="1" dirty="0"/>
-              <a:t>        if(</a:t>
-            </a:r>
-            <a:r>
-              <a:rPr lang="en-IN" b="1" dirty="0" err="1"/>
-              <a:t>arr</a:t>
-            </a:r>
-            <a:r>
-              <a:rPr lang="en-IN" b="1" dirty="0"/>
-              <a:t>[i] % 2 == 0)</a:t>
-            </a:r>
-          </a:p>
-          <a:p>
-            <a:r>
-              <a:rPr lang="en-IN" b="1" dirty="0"/>
-              <a:t>            even++;</a:t>
-            </a:r>
-          </a:p>
-          <a:p>
-            <a:r>
-              <a:rPr lang="en-IN" b="1" dirty="0"/>
-              <a:t>        else</a:t>
-            </a:r>
-          </a:p>
-          <a:p>
-            <a:r>
-              <a:rPr lang="en-IN" b="1" dirty="0"/>
-              <a:t>            odd++;</a:t>
-            </a:r>
-          </a:p>
-          <a:p>
-            <a:r>
-              <a:rPr lang="en-IN" b="1" dirty="0"/>
-              <a:t>    }</a:t>
-            </a:r>
-          </a:p>
-          <a:p>
-            <a:endParaRPr lang="en-IN" b="1" dirty="0"/>
-          </a:p>
-          <a:p>
-            <a:r>
-              <a:rPr lang="en-IN" b="1" dirty="0"/>
-              <a:t>    </a:t>
-            </a:r>
-            <a:r>
-              <a:rPr lang="en-IN" b="1" dirty="0" err="1"/>
-              <a:t>cout</a:t>
-            </a:r>
-            <a:r>
-              <a:rPr lang="en-IN" b="1" dirty="0"/>
-              <a:t> &lt;&lt; "Even = " &lt;&lt; even &lt;&lt; ", Odd = " &lt;&lt; odd;</a:t>
-            </a:r>
-          </a:p>
-          <a:p>
-            <a:r>
-              <a:rPr lang="en-IN" b="1" dirty="0"/>
-              <a:t>    return 0;</a:t>
-            </a:r>
-          </a:p>
-          <a:p>
-            <a:r>
-              <a:rPr lang="en-IN" b="1" dirty="0"/>
-              <a:t>}</a:t>
-            </a:r>
-          </a:p>
-        </p:txBody>
-      </p:sp>
-      <p:sp>
-        <p:nvSpPr>
-          <p:cNvPr id="11" name="Rectangle 10"/>
-          <p:cNvSpPr/>
-          <p:nvPr/>
-        </p:nvSpPr>
-        <p:spPr>
-          <a:xfrm>
-            <a:off x="7345213" y="6357115"/>
-            <a:ext cx="3456384" cy="430887"/>
-          </a:xfrm>
-          <a:prstGeom prst="rect">
-            <a:avLst/>
-          </a:prstGeom>
-          <a:solidFill>
-            <a:schemeClr val="tx1"/>
-          </a:solidFill>
-          <a:ln cmpd="tri">
-            <a:solidFill>
-              <a:schemeClr val="tx1"/>
-            </a:solidFill>
-          </a:ln>
-        </p:spPr>
-        <p:txBody>
-          <a:bodyPr wrap="square">
-            <a:spAutoFit/>
-          </a:bodyPr>
-          <a:lstStyle/>
-          <a:p>
-            <a:r>
-              <a:rPr lang="en-US" b="1" dirty="0">
-                <a:solidFill>
-                  <a:srgbClr val="FFFF00"/>
-                </a:solidFill>
-              </a:rPr>
-              <a:t>Even = 3, Odd = 3</a:t>
-            </a:r>
-            <a:endParaRPr lang="en-IN" b="1" dirty="0" smtClean="0">
-              <a:solidFill>
-                <a:srgbClr val="FFFF00"/>
-              </a:solidFill>
-            </a:endParaRPr>
-          </a:p>
-        </p:txBody>
-      </p:sp>
-    </p:spTree>
-    <p:extLst>
-      <p:ext uri="{BB962C8B-B14F-4D97-AF65-F5344CB8AC3E}">
-        <p14:creationId xmlns:p14="http://schemas.microsoft.com/office/powerpoint/2010/main" val="1265428899"/>
-      </p:ext>
-    </p:extLst>
-  </p:cSld>
-  <p:clrMapOvr>
-    <a:masterClrMapping/>
-  </p:clrMapOvr>
-  <p:timing>
-    <p:tnLst>
-      <p:par>
-        <p:cTn id="1" dur="indefinite" restart="never" nodeType="tmRoot"/>
-      </p:par>
-    </p:tnLst>
-  </p:timing>
-</p:sld>
-</file>
-
-<file path=ppt/slides/slide12.xml><?xml version="1.0" encoding="utf-8"?>
-<p:sld xmlns:a="http://schemas.openxmlformats.org/drawingml/2006/main" xmlns:r="http://schemas.openxmlformats.org/officeDocument/2006/relationships" xmlns:p="http://schemas.openxmlformats.org/presentationml/2006/main">
-  <p:cSld>
-    <p:spTree>
-      <p:nvGrpSpPr>
-        <p:cNvPr id="1" name=""/>
-        <p:cNvGrpSpPr/>
-        <p:nvPr/>
-      </p:nvGrpSpPr>
-      <p:grpSpPr>
-        <a:xfrm>
-          <a:off x="0" y="0"/>
-          <a:ext cx="0" cy="0"/>
-          <a:chOff x="0" y="0"/>
-          <a:chExt cx="0" cy="0"/>
-        </a:xfrm>
-      </p:grpSpPr>
-      <p:pic>
-        <p:nvPicPr>
-          <p:cNvPr id="4" name="Picture 3"/>
-          <p:cNvPicPr>
-            <a:picLocks noChangeAspect="1"/>
-          </p:cNvPicPr>
-          <p:nvPr/>
-        </p:nvPicPr>
-        <p:blipFill>
-          <a:blip r:embed="rId2" cstate="print">
-            <a:extLst>
-              <a:ext uri="{28A0092B-C50C-407E-A947-70E740481C1C}">
-                <a14:useLocalDpi xmlns:a14="http://schemas.microsoft.com/office/drawing/2010/main" val="0"/>
-              </a:ext>
-            </a:extLst>
-          </a:blip>
-          <a:stretch>
-            <a:fillRect/>
-          </a:stretch>
-        </p:blipFill>
-        <p:spPr>
-          <a:xfrm>
-            <a:off x="10085409" y="216396"/>
-            <a:ext cx="973082" cy="720080"/>
-          </a:xfrm>
-          <a:prstGeom prst="rect">
-            <a:avLst/>
-          </a:prstGeom>
-        </p:spPr>
-      </p:pic>
-      <p:sp>
-        <p:nvSpPr>
-          <p:cNvPr id="5" name="TextBox 4"/>
-          <p:cNvSpPr txBox="1"/>
-          <p:nvPr/>
-        </p:nvSpPr>
-        <p:spPr>
-          <a:xfrm>
-            <a:off x="576461" y="576436"/>
-            <a:ext cx="4320480" cy="430887"/>
-          </a:xfrm>
-          <a:prstGeom prst="rect">
-            <a:avLst/>
-          </a:prstGeom>
-          <a:noFill/>
-        </p:spPr>
-        <p:txBody>
-          <a:bodyPr wrap="square" rtlCol="0">
-            <a:spAutoFit/>
-          </a:bodyPr>
-          <a:lstStyle/>
-          <a:p>
-            <a:r>
-              <a:rPr lang="en-IN" b="1" dirty="0" smtClean="0">
-                <a:solidFill>
-                  <a:srgbClr val="002060"/>
-                </a:solidFill>
-              </a:rPr>
-              <a:t>Two-Dimensional </a:t>
-            </a:r>
-            <a:r>
-              <a:rPr lang="en-IN" b="1" dirty="0">
-                <a:solidFill>
-                  <a:srgbClr val="002060"/>
-                </a:solidFill>
-              </a:rPr>
-              <a:t>Array </a:t>
-            </a:r>
-            <a:r>
-              <a:rPr lang="en-IN" b="1" dirty="0" smtClean="0">
-                <a:solidFill>
-                  <a:srgbClr val="002060"/>
-                </a:solidFill>
-              </a:rPr>
-              <a:t>(2D</a:t>
-            </a:r>
-            <a:r>
-              <a:rPr lang="en-IN" b="1" dirty="0">
-                <a:solidFill>
-                  <a:srgbClr val="002060"/>
-                </a:solidFill>
-              </a:rPr>
-              <a:t>)</a:t>
-            </a:r>
-          </a:p>
-        </p:txBody>
-      </p:sp>
-      <p:sp>
-        <p:nvSpPr>
-          <p:cNvPr id="2" name="TextBox 1"/>
-          <p:cNvSpPr txBox="1"/>
-          <p:nvPr/>
-        </p:nvSpPr>
-        <p:spPr>
-          <a:xfrm>
-            <a:off x="648469" y="1296516"/>
-            <a:ext cx="7416824" cy="769441"/>
-          </a:xfrm>
-          <a:prstGeom prst="rect">
-            <a:avLst/>
-          </a:prstGeom>
-          <a:noFill/>
-        </p:spPr>
-        <p:txBody>
-          <a:bodyPr wrap="square" rtlCol="0">
-            <a:spAutoFit/>
-          </a:bodyPr>
-          <a:lstStyle/>
-          <a:p>
-            <a:pPr algn="just"/>
-            <a:r>
-              <a:rPr lang="en-US" dirty="0"/>
-              <a:t>A </a:t>
-            </a:r>
-            <a:r>
-              <a:rPr lang="en-US" b="1" dirty="0"/>
-              <a:t>2D array</a:t>
-            </a:r>
-            <a:r>
-              <a:rPr lang="en-US" dirty="0"/>
-              <a:t> in C++ is an array of arrays (like a table) with </a:t>
-            </a:r>
-            <a:r>
-              <a:rPr lang="en-US" b="1" dirty="0"/>
-              <a:t>rows and columns</a:t>
-            </a:r>
-            <a:r>
-              <a:rPr lang="en-US" dirty="0"/>
-              <a:t>. It is used to store data in a matrix form.</a:t>
-            </a:r>
-            <a:endParaRPr lang="en-IN" dirty="0">
-              <a:solidFill>
-                <a:srgbClr val="002060"/>
-              </a:solidFill>
-            </a:endParaRPr>
-          </a:p>
-        </p:txBody>
-      </p:sp>
-      <p:sp>
-        <p:nvSpPr>
-          <p:cNvPr id="9" name="TextBox 8"/>
-          <p:cNvSpPr txBox="1"/>
-          <p:nvPr/>
-        </p:nvSpPr>
-        <p:spPr>
-          <a:xfrm>
-            <a:off x="656853" y="2903665"/>
-            <a:ext cx="4320480" cy="430887"/>
-          </a:xfrm>
-          <a:prstGeom prst="rect">
-            <a:avLst/>
-          </a:prstGeom>
-          <a:noFill/>
-        </p:spPr>
-        <p:txBody>
-          <a:bodyPr wrap="square" rtlCol="0">
-            <a:spAutoFit/>
-          </a:bodyPr>
-          <a:lstStyle/>
-          <a:p>
-            <a:r>
-              <a:rPr lang="en-IN" b="1" dirty="0">
-                <a:solidFill>
-                  <a:srgbClr val="002060"/>
-                </a:solidFill>
-              </a:rPr>
-              <a:t>Declaration Only:</a:t>
-            </a:r>
-          </a:p>
-        </p:txBody>
-      </p:sp>
-      <p:sp>
-        <p:nvSpPr>
-          <p:cNvPr id="10" name="TextBox 9"/>
-          <p:cNvSpPr txBox="1"/>
-          <p:nvPr/>
-        </p:nvSpPr>
-        <p:spPr>
-          <a:xfrm>
-            <a:off x="648469" y="4040984"/>
-            <a:ext cx="4320480" cy="430887"/>
-          </a:xfrm>
-          <a:prstGeom prst="rect">
-            <a:avLst/>
-          </a:prstGeom>
-          <a:noFill/>
-        </p:spPr>
-        <p:txBody>
-          <a:bodyPr wrap="square" rtlCol="0">
-            <a:spAutoFit/>
-          </a:bodyPr>
-          <a:lstStyle/>
-          <a:p>
-            <a:r>
-              <a:rPr lang="en-IN" b="1" dirty="0">
-                <a:solidFill>
-                  <a:srgbClr val="002060"/>
-                </a:solidFill>
-              </a:rPr>
-              <a:t>Declaration with Initialization:</a:t>
-            </a:r>
-          </a:p>
-        </p:txBody>
-      </p:sp>
-      <p:sp>
-        <p:nvSpPr>
-          <p:cNvPr id="11" name="TextBox 10"/>
-          <p:cNvSpPr txBox="1"/>
-          <p:nvPr/>
-        </p:nvSpPr>
-        <p:spPr>
-          <a:xfrm>
-            <a:off x="648469" y="5040932"/>
-            <a:ext cx="4320480" cy="430887"/>
-          </a:xfrm>
-          <a:prstGeom prst="rect">
-            <a:avLst/>
-          </a:prstGeom>
-          <a:noFill/>
-        </p:spPr>
-        <p:txBody>
-          <a:bodyPr wrap="square" rtlCol="0">
-            <a:spAutoFit/>
-          </a:bodyPr>
-          <a:lstStyle/>
-          <a:p>
-            <a:r>
-              <a:rPr lang="en-IN" b="1" dirty="0"/>
-              <a:t>Initialization in One Line:</a:t>
-            </a:r>
-            <a:endParaRPr lang="en-IN" b="1" dirty="0">
-              <a:solidFill>
-                <a:srgbClr val="002060"/>
-              </a:solidFill>
-            </a:endParaRPr>
-          </a:p>
-        </p:txBody>
-      </p:sp>
-      <p:sp>
-        <p:nvSpPr>
-          <p:cNvPr id="7" name="Rectangle 6"/>
-          <p:cNvSpPr/>
-          <p:nvPr/>
-        </p:nvSpPr>
-        <p:spPr>
-          <a:xfrm>
-            <a:off x="720046" y="3456756"/>
-            <a:ext cx="5677516" cy="430887"/>
-          </a:xfrm>
-          <a:prstGeom prst="rect">
-            <a:avLst/>
-          </a:prstGeom>
-          <a:solidFill>
-            <a:srgbClr val="7030A0"/>
-          </a:solidFill>
-        </p:spPr>
-        <p:txBody>
-          <a:bodyPr wrap="none">
-            <a:spAutoFit/>
-          </a:bodyPr>
-          <a:lstStyle/>
-          <a:p>
-            <a:r>
-              <a:rPr lang="en-US" b="1" dirty="0" err="1">
-                <a:solidFill>
-                  <a:srgbClr val="FFFF00"/>
-                </a:solidFill>
-              </a:rPr>
-              <a:t>int</a:t>
-            </a:r>
-            <a:r>
-              <a:rPr lang="en-US" b="1" dirty="0">
-                <a:solidFill>
-                  <a:srgbClr val="FFFF00"/>
-                </a:solidFill>
-              </a:rPr>
-              <a:t> </a:t>
-            </a:r>
-            <a:r>
-              <a:rPr lang="en-US" b="1" dirty="0" err="1">
-                <a:solidFill>
-                  <a:srgbClr val="FFFF00"/>
-                </a:solidFill>
-              </a:rPr>
-              <a:t>arr</a:t>
-            </a:r>
-            <a:r>
-              <a:rPr lang="en-US" b="1" dirty="0">
-                <a:solidFill>
-                  <a:srgbClr val="FFFF00"/>
-                </a:solidFill>
-              </a:rPr>
-              <a:t>[3][3]; // 3 rows, 3 columns, uninitialized</a:t>
-            </a:r>
-            <a:endParaRPr lang="en-IN" b="1" dirty="0">
-              <a:solidFill>
-                <a:srgbClr val="FFFF00"/>
-              </a:solidFill>
-            </a:endParaRPr>
-          </a:p>
-        </p:txBody>
-      </p:sp>
-      <p:sp>
-        <p:nvSpPr>
-          <p:cNvPr id="8" name="Rectangle 7"/>
-          <p:cNvSpPr/>
-          <p:nvPr/>
-        </p:nvSpPr>
-        <p:spPr>
-          <a:xfrm>
-            <a:off x="720477" y="4510856"/>
-            <a:ext cx="7848872" cy="430887"/>
-          </a:xfrm>
-          <a:prstGeom prst="rect">
-            <a:avLst/>
-          </a:prstGeom>
-          <a:solidFill>
-            <a:schemeClr val="tx1"/>
-          </a:solidFill>
-        </p:spPr>
-        <p:txBody>
-          <a:bodyPr wrap="square">
-            <a:spAutoFit/>
-          </a:bodyPr>
-          <a:lstStyle/>
-          <a:p>
-            <a:r>
-              <a:rPr lang="en-US" b="1" dirty="0" err="1">
-                <a:solidFill>
-                  <a:srgbClr val="FFFF00"/>
-                </a:solidFill>
-              </a:rPr>
-              <a:t>int</a:t>
-            </a:r>
-            <a:r>
-              <a:rPr lang="en-US" b="1" dirty="0">
-                <a:solidFill>
-                  <a:srgbClr val="FFFF00"/>
-                </a:solidFill>
-              </a:rPr>
-              <a:t> </a:t>
-            </a:r>
-            <a:r>
-              <a:rPr lang="en-US" b="1" dirty="0" err="1">
-                <a:solidFill>
-                  <a:srgbClr val="FFFF00"/>
-                </a:solidFill>
-              </a:rPr>
-              <a:t>arr</a:t>
-            </a:r>
-            <a:r>
-              <a:rPr lang="en-US" b="1" dirty="0">
-                <a:solidFill>
-                  <a:srgbClr val="FFFF00"/>
-                </a:solidFill>
-              </a:rPr>
-              <a:t>[2][2] = {{1, 2}, {3, 4}};</a:t>
-            </a:r>
-            <a:endParaRPr lang="en-IN" b="1" dirty="0">
-              <a:solidFill>
-                <a:srgbClr val="FFFF00"/>
-              </a:solidFill>
-            </a:endParaRPr>
-          </a:p>
-        </p:txBody>
-      </p:sp>
-      <p:sp>
-        <p:nvSpPr>
-          <p:cNvPr id="12" name="Rectangle 11"/>
-          <p:cNvSpPr/>
-          <p:nvPr/>
-        </p:nvSpPr>
-        <p:spPr>
-          <a:xfrm>
-            <a:off x="717938" y="5600653"/>
-            <a:ext cx="5907195" cy="430887"/>
-          </a:xfrm>
-          <a:prstGeom prst="rect">
-            <a:avLst/>
-          </a:prstGeom>
-          <a:solidFill>
-            <a:srgbClr val="002060"/>
-          </a:solidFill>
-        </p:spPr>
-        <p:txBody>
-          <a:bodyPr wrap="none">
-            <a:spAutoFit/>
-          </a:bodyPr>
-          <a:lstStyle/>
-          <a:p>
-            <a:r>
-              <a:rPr lang="en-US" b="1" dirty="0" err="1">
-                <a:solidFill>
-                  <a:srgbClr val="FFFF00"/>
-                </a:solidFill>
-              </a:rPr>
-              <a:t>int</a:t>
-            </a:r>
-            <a:r>
-              <a:rPr lang="en-US" b="1" dirty="0">
-                <a:solidFill>
-                  <a:srgbClr val="FFFF00"/>
-                </a:solidFill>
-              </a:rPr>
-              <a:t> </a:t>
-            </a:r>
-            <a:r>
-              <a:rPr lang="en-US" b="1" dirty="0" err="1">
-                <a:solidFill>
-                  <a:srgbClr val="FFFF00"/>
-                </a:solidFill>
-              </a:rPr>
-              <a:t>arr</a:t>
-            </a:r>
-            <a:r>
-              <a:rPr lang="en-US" b="1" dirty="0">
-                <a:solidFill>
-                  <a:srgbClr val="FFFF00"/>
-                </a:solidFill>
-              </a:rPr>
-              <a:t>[2</a:t>
-            </a:r>
-            <a:r>
-              <a:rPr lang="en-US" b="1" dirty="0" smtClean="0">
-                <a:solidFill>
-                  <a:srgbClr val="FFFF00"/>
-                </a:solidFill>
-              </a:rPr>
-              <a:t>][1] </a:t>
-            </a:r>
-            <a:r>
-              <a:rPr lang="en-US" b="1" dirty="0">
-                <a:solidFill>
-                  <a:srgbClr val="FFFF00"/>
-                </a:solidFill>
-              </a:rPr>
-              <a:t>= {1, 2, 3, 4, 5, 6}; // row-wise filling</a:t>
-            </a:r>
-            <a:endParaRPr lang="en-US" b="1" dirty="0">
-              <a:solidFill>
-                <a:srgbClr val="FFFF00"/>
-              </a:solidFill>
-            </a:endParaRPr>
-          </a:p>
-        </p:txBody>
-      </p:sp>
-      <p:pic>
-        <p:nvPicPr>
-          <p:cNvPr id="14" name="Picture 4"/>
-          <p:cNvPicPr>
-            <a:picLocks noChangeAspect="1" noChangeArrowheads="1"/>
-          </p:cNvPicPr>
-          <p:nvPr/>
-        </p:nvPicPr>
-        <p:blipFill>
-          <a:blip r:embed="rId3">
-            <a:extLst>
-              <a:ext uri="{28A0092B-C50C-407E-A947-70E740481C1C}">
-                <a14:useLocalDpi xmlns:a14="http://schemas.microsoft.com/office/drawing/2010/main" val="0"/>
-              </a:ext>
-            </a:extLst>
-          </a:blip>
-          <a:srcRect/>
-          <a:stretch>
-            <a:fillRect/>
-          </a:stretch>
-        </p:blipFill>
-        <p:spPr bwMode="auto">
-          <a:xfrm>
-            <a:off x="8224089" y="1925278"/>
-            <a:ext cx="2530918" cy="2387659"/>
-          </a:xfrm>
-          <a:prstGeom prst="rect">
-            <a:avLst/>
-          </a:prstGeom>
-          <a:noFill/>
-          <a:ln>
-            <a:noFill/>
-          </a:ln>
-          <a:effectLst/>
-          <a:extLst>
-            <a:ext uri="{909E8E84-426E-40DD-AFC4-6F175D3DCCD1}">
-              <a14:hiddenFill xmlns:a14="http://schemas.microsoft.com/office/drawing/2010/main">
-                <a:solidFill>
-                  <a:schemeClr val="accent1"/>
-                </a:solidFill>
-              </a14:hiddenFill>
-            </a:ext>
-            <a:ext uri="{91240B29-F687-4F45-9708-019B960494DF}">
-              <a14:hiddenLine xmlns:a14="http://schemas.microsoft.com/office/drawing/2010/main" w="9525">
-                <a:solidFill>
-                  <a:schemeClr val="tx1"/>
-                </a:solidFill>
-                <a:miter lim="800000"/>
-                <a:headEnd/>
-                <a:tailEnd/>
-              </a14:hiddenLine>
-            </a:ext>
-            <a:ext uri="{AF507438-7753-43E0-B8FC-AC1667EBCBE1}">
-              <a14:hiddenEffects xmlns:a14="http://schemas.microsoft.com/office/drawing/2010/main">
-                <a:effectLst>
-                  <a:outerShdw dist="35921" dir="2700000" algn="ctr" rotWithShape="0">
-                    <a:schemeClr val="bg2"/>
-                  </a:outerShdw>
-                </a:effectLst>
-              </a14:hiddenEffects>
-            </a:ext>
-          </a:extLst>
-        </p:spPr>
-      </p:pic>
-    </p:spTree>
-    <p:extLst>
-      <p:ext uri="{BB962C8B-B14F-4D97-AF65-F5344CB8AC3E}">
-        <p14:creationId xmlns:p14="http://schemas.microsoft.com/office/powerpoint/2010/main" val="2655497324"/>
-      </p:ext>
-    </p:extLst>
-  </p:cSld>
-  <p:clrMapOvr>
-    <a:masterClrMapping/>
-  </p:clrMapOvr>
-  <p:timing>
-    <p:tnLst>
-      <p:par>
-        <p:cTn id="1" dur="indefinite" restart="never" nodeType="tmRoot"/>
-      </p:par>
-    </p:tnLst>
-  </p:timing>
-</p:sld>
-</file>
-
-<file path=ppt/slides/slide13.xml><?xml version="1.0" encoding="utf-8"?>
-<p:sld xmlns:a="http://schemas.openxmlformats.org/drawingml/2006/main" xmlns:r="http://schemas.openxmlformats.org/officeDocument/2006/relationships" xmlns:p="http://schemas.openxmlformats.org/presentationml/2006/main">
-  <p:cSld>
-    <p:spTree>
-      <p:nvGrpSpPr>
-        <p:cNvPr id="1" name=""/>
-        <p:cNvGrpSpPr/>
-        <p:nvPr/>
-      </p:nvGrpSpPr>
-      <p:grpSpPr>
-        <a:xfrm>
-          <a:off x="0" y="0"/>
-          <a:ext cx="0" cy="0"/>
-          <a:chOff x="0" y="0"/>
-          <a:chExt cx="0" cy="0"/>
-        </a:xfrm>
-      </p:grpSpPr>
-      <p:pic>
-        <p:nvPicPr>
-          <p:cNvPr id="4" name="Picture 3"/>
-          <p:cNvPicPr>
-            <a:picLocks noChangeAspect="1"/>
-          </p:cNvPicPr>
-          <p:nvPr/>
-        </p:nvPicPr>
-        <p:blipFill>
-          <a:blip r:embed="rId2" cstate="print">
-            <a:extLst>
-              <a:ext uri="{28A0092B-C50C-407E-A947-70E740481C1C}">
-                <a14:useLocalDpi xmlns:a14="http://schemas.microsoft.com/office/drawing/2010/main" val="0"/>
-              </a:ext>
-            </a:extLst>
-          </a:blip>
-          <a:stretch>
-            <a:fillRect/>
-          </a:stretch>
-        </p:blipFill>
-        <p:spPr>
-          <a:xfrm>
-            <a:off x="10085409" y="216396"/>
-            <a:ext cx="973082" cy="720080"/>
-          </a:xfrm>
-          <a:prstGeom prst="rect">
-            <a:avLst/>
-          </a:prstGeom>
-        </p:spPr>
-      </p:pic>
-      <p:sp>
-        <p:nvSpPr>
-          <p:cNvPr id="5" name="TextBox 4"/>
-          <p:cNvSpPr txBox="1"/>
-          <p:nvPr/>
-        </p:nvSpPr>
-        <p:spPr>
-          <a:xfrm>
-            <a:off x="576461" y="576436"/>
-            <a:ext cx="4320480" cy="430887"/>
-          </a:xfrm>
-          <a:prstGeom prst="rect">
-            <a:avLst/>
-          </a:prstGeom>
-          <a:noFill/>
-        </p:spPr>
-        <p:txBody>
-          <a:bodyPr wrap="square" rtlCol="0">
-            <a:spAutoFit/>
-          </a:bodyPr>
-          <a:lstStyle/>
-          <a:p>
-            <a:r>
-              <a:rPr lang="en-IN" b="1" dirty="0"/>
-              <a:t>Important Points</a:t>
-            </a:r>
-            <a:endParaRPr lang="en-IN" b="1" dirty="0">
-              <a:solidFill>
-                <a:srgbClr val="002060"/>
-              </a:solidFill>
-            </a:endParaRPr>
-          </a:p>
-        </p:txBody>
-      </p:sp>
-      <p:sp>
-        <p:nvSpPr>
-          <p:cNvPr id="7" name="Rectangle 6"/>
-          <p:cNvSpPr/>
-          <p:nvPr/>
-        </p:nvSpPr>
-        <p:spPr>
-          <a:xfrm>
-            <a:off x="743546" y="1296516"/>
-            <a:ext cx="5170070" cy="430887"/>
-          </a:xfrm>
-          <a:prstGeom prst="rect">
-            <a:avLst/>
-          </a:prstGeom>
-          <a:solidFill>
-            <a:schemeClr val="tx1"/>
-          </a:solidFill>
-        </p:spPr>
-        <p:txBody>
-          <a:bodyPr wrap="none">
-            <a:spAutoFit/>
-          </a:bodyPr>
-          <a:lstStyle/>
-          <a:p>
-            <a:r>
-              <a:rPr lang="en-US" dirty="0">
-                <a:solidFill>
-                  <a:srgbClr val="FFFF00"/>
-                </a:solidFill>
-              </a:rPr>
-              <a:t>Accessed using </a:t>
-            </a:r>
-            <a:r>
-              <a:rPr lang="en-US" b="1" dirty="0">
-                <a:solidFill>
-                  <a:srgbClr val="FFFF00"/>
-                </a:solidFill>
-              </a:rPr>
-              <a:t>2 indexes</a:t>
-            </a:r>
-            <a:r>
-              <a:rPr lang="en-US" dirty="0">
-                <a:solidFill>
-                  <a:srgbClr val="FFFF00"/>
-                </a:solidFill>
-              </a:rPr>
-              <a:t>: </a:t>
-            </a:r>
-            <a:r>
-              <a:rPr lang="en-US" dirty="0" err="1">
-                <a:solidFill>
-                  <a:srgbClr val="FFFF00"/>
-                </a:solidFill>
-              </a:rPr>
-              <a:t>arr</a:t>
-            </a:r>
-            <a:r>
-              <a:rPr lang="en-US" dirty="0">
-                <a:solidFill>
-                  <a:srgbClr val="FFFF00"/>
-                </a:solidFill>
-              </a:rPr>
-              <a:t>[row][column]</a:t>
-            </a:r>
-            <a:endParaRPr lang="en-IN" b="1" dirty="0">
-              <a:solidFill>
-                <a:srgbClr val="FFFF00"/>
-              </a:solidFill>
-            </a:endParaRPr>
-          </a:p>
-        </p:txBody>
-      </p:sp>
-      <p:sp>
-        <p:nvSpPr>
-          <p:cNvPr id="8" name="Rectangle 7"/>
-          <p:cNvSpPr/>
-          <p:nvPr/>
-        </p:nvSpPr>
-        <p:spPr>
-          <a:xfrm>
-            <a:off x="743977" y="2350616"/>
-            <a:ext cx="6817260" cy="430887"/>
-          </a:xfrm>
-          <a:prstGeom prst="rect">
-            <a:avLst/>
-          </a:prstGeom>
-          <a:solidFill>
-            <a:schemeClr val="tx1"/>
-          </a:solidFill>
-        </p:spPr>
-        <p:txBody>
-          <a:bodyPr wrap="square">
-            <a:spAutoFit/>
-          </a:bodyPr>
-          <a:lstStyle/>
-          <a:p>
-            <a:r>
-              <a:rPr lang="en-IN" dirty="0">
-                <a:solidFill>
-                  <a:srgbClr val="FFFF00"/>
-                </a:solidFill>
-              </a:rPr>
-              <a:t>Useful for representing </a:t>
-            </a:r>
-            <a:r>
-              <a:rPr lang="en-IN" b="1" dirty="0">
-                <a:solidFill>
-                  <a:srgbClr val="FFFF00"/>
-                </a:solidFill>
-              </a:rPr>
-              <a:t>matrices</a:t>
-            </a:r>
-            <a:r>
-              <a:rPr lang="en-IN" dirty="0">
-                <a:solidFill>
-                  <a:srgbClr val="FFFF00"/>
-                </a:solidFill>
-              </a:rPr>
-              <a:t>, </a:t>
-            </a:r>
-            <a:r>
-              <a:rPr lang="en-IN" b="1" dirty="0">
-                <a:solidFill>
-                  <a:srgbClr val="FFFF00"/>
-                </a:solidFill>
-              </a:rPr>
-              <a:t>tables</a:t>
-            </a:r>
-            <a:r>
-              <a:rPr lang="en-IN" dirty="0">
-                <a:solidFill>
-                  <a:srgbClr val="FFFF00"/>
-                </a:solidFill>
-              </a:rPr>
-              <a:t>, </a:t>
-            </a:r>
-            <a:r>
-              <a:rPr lang="en-IN" b="1" dirty="0">
-                <a:solidFill>
-                  <a:srgbClr val="FFFF00"/>
-                </a:solidFill>
-              </a:rPr>
-              <a:t>grids</a:t>
-            </a:r>
-            <a:endParaRPr lang="en-IN" b="1" dirty="0">
-              <a:solidFill>
-                <a:srgbClr val="FFFF00"/>
-              </a:solidFill>
-            </a:endParaRPr>
-          </a:p>
-        </p:txBody>
-      </p:sp>
-      <p:sp>
-        <p:nvSpPr>
-          <p:cNvPr id="12" name="Rectangle 11"/>
-          <p:cNvSpPr/>
-          <p:nvPr/>
-        </p:nvSpPr>
-        <p:spPr>
-          <a:xfrm>
-            <a:off x="741438" y="3440413"/>
-            <a:ext cx="4749057" cy="430887"/>
-          </a:xfrm>
-          <a:prstGeom prst="rect">
-            <a:avLst/>
-          </a:prstGeom>
-          <a:solidFill>
-            <a:schemeClr val="tx1"/>
-          </a:solidFill>
-        </p:spPr>
-        <p:txBody>
-          <a:bodyPr wrap="none">
-            <a:spAutoFit/>
-          </a:bodyPr>
-          <a:lstStyle/>
-          <a:p>
-            <a:r>
-              <a:rPr lang="en-US" dirty="0">
-                <a:solidFill>
-                  <a:srgbClr val="FFFF00"/>
-                </a:solidFill>
-              </a:rPr>
-              <a:t>Stored in </a:t>
-            </a:r>
-            <a:r>
-              <a:rPr lang="en-US" b="1" dirty="0">
-                <a:solidFill>
-                  <a:srgbClr val="FFFF00"/>
-                </a:solidFill>
-              </a:rPr>
-              <a:t>row-major order</a:t>
-            </a:r>
-            <a:r>
-              <a:rPr lang="en-US" dirty="0">
-                <a:solidFill>
-                  <a:srgbClr val="FFFF00"/>
-                </a:solidFill>
-              </a:rPr>
-              <a:t> (row by row)</a:t>
-            </a:r>
-          </a:p>
-        </p:txBody>
-      </p:sp>
-      <p:sp>
-        <p:nvSpPr>
-          <p:cNvPr id="13" name="Rectangle 12"/>
-          <p:cNvSpPr/>
-          <p:nvPr/>
-        </p:nvSpPr>
-        <p:spPr>
-          <a:xfrm>
-            <a:off x="706741" y="4592540"/>
-            <a:ext cx="5365828" cy="430887"/>
-          </a:xfrm>
-          <a:prstGeom prst="rect">
-            <a:avLst/>
-          </a:prstGeom>
-          <a:solidFill>
-            <a:schemeClr val="tx1"/>
-          </a:solidFill>
-        </p:spPr>
-        <p:txBody>
-          <a:bodyPr wrap="none">
-            <a:spAutoFit/>
-          </a:bodyPr>
-          <a:lstStyle/>
-          <a:p>
-            <a:r>
-              <a:rPr lang="en-US" dirty="0">
-                <a:solidFill>
-                  <a:srgbClr val="FFFF00"/>
-                </a:solidFill>
-              </a:rPr>
-              <a:t>Can be used in </a:t>
-            </a:r>
-            <a:r>
-              <a:rPr lang="en-US" b="1" dirty="0">
-                <a:solidFill>
-                  <a:srgbClr val="FFFF00"/>
-                </a:solidFill>
-              </a:rPr>
-              <a:t>nested loops</a:t>
-            </a:r>
-            <a:r>
-              <a:rPr lang="en-US" dirty="0">
-                <a:solidFill>
-                  <a:srgbClr val="FFFF00"/>
-                </a:solidFill>
-              </a:rPr>
-              <a:t> for input/output</a:t>
-            </a:r>
-          </a:p>
-        </p:txBody>
-      </p:sp>
-      <p:pic>
-        <p:nvPicPr>
-          <p:cNvPr id="1026" name="Picture 2" descr="Mastering 2D Arrays in C++: A Comprehensive Guide | DigitalOcean"/>
-          <p:cNvPicPr>
-            <a:picLocks noChangeAspect="1" noChangeArrowheads="1"/>
-          </p:cNvPicPr>
-          <p:nvPr/>
-        </p:nvPicPr>
-        <p:blipFill>
-          <a:blip r:embed="rId3">
-            <a:extLst>
-              <a:ext uri="{28A0092B-C50C-407E-A947-70E740481C1C}">
-                <a14:useLocalDpi xmlns:a14="http://schemas.microsoft.com/office/drawing/2010/main" val="0"/>
-              </a:ext>
-            </a:extLst>
-          </a:blip>
-          <a:srcRect/>
-          <a:stretch>
-            <a:fillRect/>
-          </a:stretch>
-        </p:blipFill>
-        <p:spPr bwMode="auto">
-          <a:xfrm>
-            <a:off x="6072569" y="4380763"/>
-            <a:ext cx="5449506" cy="3540862"/>
-          </a:xfrm>
-          <a:prstGeom prst="rect">
-            <a:avLst/>
-          </a:prstGeom>
-          <a:noFill/>
-          <a:extLst>
-            <a:ext uri="{909E8E84-426E-40DD-AFC4-6F175D3DCCD1}">
-              <a14:hiddenFill xmlns:a14="http://schemas.microsoft.com/office/drawing/2010/main">
-                <a:solidFill>
-                  <a:srgbClr val="FFFFFF"/>
-                </a:solidFill>
-              </a14:hiddenFill>
-            </a:ext>
-          </a:extLst>
-        </p:spPr>
-      </p:pic>
-    </p:spTree>
-    <p:extLst>
-      <p:ext uri="{BB962C8B-B14F-4D97-AF65-F5344CB8AC3E}">
-        <p14:creationId xmlns:p14="http://schemas.microsoft.com/office/powerpoint/2010/main" val="228603229"/>
-      </p:ext>
-    </p:extLst>
-  </p:cSld>
-  <p:clrMapOvr>
-    <a:masterClrMapping/>
-  </p:clrMapOvr>
-  <p:timing>
-    <p:tnLst>
-      <p:par>
-        <p:cTn id="1" dur="indefinite" restart="never" nodeType="tmRoot"/>
-      </p:par>
-    </p:tnLst>
-  </p:timing>
-</p:sld>
-</file>
-
-<file path=ppt/slides/slide14.xml><?xml version="1.0" encoding="utf-8"?>
-<p:sld xmlns:a="http://schemas.openxmlformats.org/drawingml/2006/main" xmlns:r="http://schemas.openxmlformats.org/officeDocument/2006/relationships" xmlns:p="http://schemas.openxmlformats.org/presentationml/2006/main">
-  <p:cSld>
-    <p:spTree>
-      <p:nvGrpSpPr>
-        <p:cNvPr id="1" name=""/>
-        <p:cNvGrpSpPr/>
-        <p:nvPr/>
-      </p:nvGrpSpPr>
-      <p:grpSpPr>
-        <a:xfrm>
-          <a:off x="0" y="0"/>
-          <a:ext cx="0" cy="0"/>
-          <a:chOff x="0" y="0"/>
-          <a:chExt cx="0" cy="0"/>
-        </a:xfrm>
-      </p:grpSpPr>
-      <p:pic>
-        <p:nvPicPr>
-          <p:cNvPr id="4" name="Picture 3"/>
-          <p:cNvPicPr>
-            <a:picLocks noChangeAspect="1"/>
-          </p:cNvPicPr>
-          <p:nvPr/>
-        </p:nvPicPr>
-        <p:blipFill>
-          <a:blip r:embed="rId2" cstate="print">
-            <a:extLst>
-              <a:ext uri="{28A0092B-C50C-407E-A947-70E740481C1C}">
-                <a14:useLocalDpi xmlns:a14="http://schemas.microsoft.com/office/drawing/2010/main" val="0"/>
-              </a:ext>
-            </a:extLst>
-          </a:blip>
-          <a:stretch>
-            <a:fillRect/>
-          </a:stretch>
-        </p:blipFill>
-        <p:spPr>
-          <a:xfrm>
-            <a:off x="10085409" y="216396"/>
-            <a:ext cx="973082" cy="720080"/>
-          </a:xfrm>
-          <a:prstGeom prst="rect">
-            <a:avLst/>
-          </a:prstGeom>
-        </p:spPr>
-      </p:pic>
-      <p:sp>
-        <p:nvSpPr>
-          <p:cNvPr id="5" name="TextBox 4"/>
-          <p:cNvSpPr txBox="1"/>
-          <p:nvPr/>
-        </p:nvSpPr>
-        <p:spPr>
-          <a:xfrm>
-            <a:off x="576461" y="576436"/>
-            <a:ext cx="4320480" cy="430887"/>
-          </a:xfrm>
-          <a:prstGeom prst="rect">
-            <a:avLst/>
-          </a:prstGeom>
-          <a:noFill/>
-        </p:spPr>
-        <p:txBody>
-          <a:bodyPr wrap="square" rtlCol="0">
-            <a:spAutoFit/>
-          </a:bodyPr>
-          <a:lstStyle/>
-          <a:p>
-            <a:r>
-              <a:rPr lang="en-US" b="1" dirty="0" smtClean="0"/>
-              <a:t>1. Input </a:t>
-            </a:r>
-            <a:r>
-              <a:rPr lang="en-US" b="1" dirty="0"/>
-              <a:t>and Print 2D Array</a:t>
-            </a:r>
-            <a:endParaRPr lang="en-IN" b="1" dirty="0">
-              <a:solidFill>
-                <a:srgbClr val="002060"/>
-              </a:solidFill>
-            </a:endParaRPr>
-          </a:p>
-        </p:txBody>
-      </p:sp>
-      <p:sp>
-        <p:nvSpPr>
-          <p:cNvPr id="2" name="Rectangle 1"/>
-          <p:cNvSpPr/>
-          <p:nvPr/>
-        </p:nvSpPr>
-        <p:spPr>
-          <a:xfrm>
-            <a:off x="648469" y="1296516"/>
-            <a:ext cx="6696744" cy="6186309"/>
-          </a:xfrm>
-          <a:prstGeom prst="rect">
-            <a:avLst/>
-          </a:prstGeom>
-          <a:gradFill>
-            <a:gsLst>
-              <a:gs pos="0">
-                <a:schemeClr val="accent1">
-                  <a:tint val="66000"/>
-                  <a:satMod val="160000"/>
-                </a:schemeClr>
-              </a:gs>
-              <a:gs pos="50000">
-                <a:schemeClr val="accent1">
-                  <a:tint val="44500"/>
-                  <a:satMod val="160000"/>
-                </a:schemeClr>
-              </a:gs>
-              <a:gs pos="100000">
-                <a:schemeClr val="accent1">
-                  <a:tint val="23500"/>
-                  <a:satMod val="160000"/>
-                </a:schemeClr>
-              </a:gs>
-            </a:gsLst>
-            <a:lin ang="5400000" scaled="0"/>
-          </a:gradFill>
-          <a:ln cmpd="tri">
-            <a:noFill/>
-          </a:ln>
-        </p:spPr>
-        <p:txBody>
-          <a:bodyPr wrap="square">
-            <a:spAutoFit/>
-          </a:bodyPr>
-          <a:lstStyle/>
-          <a:p>
-            <a:r>
-              <a:rPr lang="en-IN" b="1" dirty="0"/>
-              <a:t>#include &lt;</a:t>
-            </a:r>
-            <a:r>
-              <a:rPr lang="en-IN" b="1" dirty="0" err="1"/>
-              <a:t>iostream</a:t>
-            </a:r>
-            <a:r>
-              <a:rPr lang="en-IN" b="1" dirty="0"/>
-              <a:t>&gt;</a:t>
-            </a:r>
-          </a:p>
-          <a:p>
-            <a:r>
-              <a:rPr lang="en-IN" b="1" dirty="0"/>
-              <a:t>using namespace </a:t>
-            </a:r>
-            <a:r>
-              <a:rPr lang="en-IN" b="1" dirty="0" err="1"/>
-              <a:t>std</a:t>
-            </a:r>
-            <a:r>
-              <a:rPr lang="en-IN" b="1" dirty="0"/>
-              <a:t>;</a:t>
-            </a:r>
-          </a:p>
-          <a:p>
-            <a:endParaRPr lang="en-IN" b="1" dirty="0"/>
-          </a:p>
-          <a:p>
-            <a:r>
-              <a:rPr lang="en-IN" b="1" dirty="0" err="1"/>
-              <a:t>int</a:t>
-            </a:r>
-            <a:r>
-              <a:rPr lang="en-IN" b="1" dirty="0"/>
-              <a:t> main() {</a:t>
-            </a:r>
-          </a:p>
-          <a:p>
-            <a:r>
-              <a:rPr lang="en-IN" b="1" dirty="0"/>
-              <a:t>    </a:t>
-            </a:r>
-            <a:r>
-              <a:rPr lang="en-IN" b="1" dirty="0" err="1"/>
-              <a:t>int</a:t>
-            </a:r>
-            <a:r>
-              <a:rPr lang="en-IN" b="1" dirty="0"/>
-              <a:t> </a:t>
-            </a:r>
-            <a:r>
-              <a:rPr lang="en-IN" b="1" dirty="0" err="1"/>
-              <a:t>arr</a:t>
-            </a:r>
-            <a:r>
-              <a:rPr lang="en-IN" b="1" dirty="0"/>
-              <a:t>[2][2];</a:t>
-            </a:r>
-          </a:p>
-          <a:p>
-            <a:r>
-              <a:rPr lang="en-IN" b="1" dirty="0"/>
-              <a:t>    </a:t>
-            </a:r>
-            <a:r>
-              <a:rPr lang="en-IN" b="1" dirty="0" err="1"/>
-              <a:t>cout</a:t>
-            </a:r>
-            <a:r>
-              <a:rPr lang="en-IN" b="1" dirty="0"/>
-              <a:t> &lt;&lt; "Enter 4 elements:\n";</a:t>
-            </a:r>
-          </a:p>
-          <a:p>
-            <a:r>
-              <a:rPr lang="en-IN" b="1" dirty="0"/>
-              <a:t>    for(</a:t>
-            </a:r>
-            <a:r>
-              <a:rPr lang="en-IN" b="1" dirty="0" err="1"/>
-              <a:t>int</a:t>
-            </a:r>
-            <a:r>
-              <a:rPr lang="en-IN" b="1" dirty="0"/>
-              <a:t> i = 0; i &lt; 2; i++)</a:t>
-            </a:r>
-          </a:p>
-          <a:p>
-            <a:r>
-              <a:rPr lang="en-IN" b="1" dirty="0"/>
-              <a:t>        for(</a:t>
-            </a:r>
-            <a:r>
-              <a:rPr lang="en-IN" b="1" dirty="0" err="1"/>
-              <a:t>int</a:t>
-            </a:r>
-            <a:r>
-              <a:rPr lang="en-IN" b="1" dirty="0"/>
-              <a:t> j = 0; j &lt; 2; j++)</a:t>
-            </a:r>
-          </a:p>
-          <a:p>
-            <a:r>
-              <a:rPr lang="en-IN" b="1" dirty="0"/>
-              <a:t>            </a:t>
-            </a:r>
-            <a:r>
-              <a:rPr lang="en-IN" b="1" dirty="0" err="1"/>
-              <a:t>cin</a:t>
-            </a:r>
-            <a:r>
-              <a:rPr lang="en-IN" b="1" dirty="0"/>
-              <a:t> &gt;&gt; </a:t>
-            </a:r>
-            <a:r>
-              <a:rPr lang="en-IN" b="1" dirty="0" err="1"/>
-              <a:t>arr</a:t>
-            </a:r>
-            <a:r>
-              <a:rPr lang="en-IN" b="1" dirty="0"/>
-              <a:t>[i][j];</a:t>
-            </a:r>
-          </a:p>
-          <a:p>
-            <a:endParaRPr lang="en-IN" b="1" dirty="0"/>
-          </a:p>
-          <a:p>
-            <a:r>
-              <a:rPr lang="en-IN" b="1" dirty="0"/>
-              <a:t>    </a:t>
-            </a:r>
-            <a:r>
-              <a:rPr lang="en-IN" b="1" dirty="0" err="1"/>
-              <a:t>cout</a:t>
-            </a:r>
-            <a:r>
-              <a:rPr lang="en-IN" b="1" dirty="0"/>
-              <a:t> &lt;&lt; "Matrix:\n";</a:t>
-            </a:r>
-          </a:p>
-          <a:p>
-            <a:r>
-              <a:rPr lang="en-IN" b="1" dirty="0"/>
-              <a:t>    for(</a:t>
-            </a:r>
-            <a:r>
-              <a:rPr lang="en-IN" b="1" dirty="0" err="1"/>
-              <a:t>int</a:t>
-            </a:r>
-            <a:r>
-              <a:rPr lang="en-IN" b="1" dirty="0"/>
-              <a:t> i = 0; i &lt; 2; i++) {</a:t>
-            </a:r>
-          </a:p>
-          <a:p>
-            <a:r>
-              <a:rPr lang="en-IN" b="1" dirty="0"/>
-              <a:t>        for(</a:t>
-            </a:r>
-            <a:r>
-              <a:rPr lang="en-IN" b="1" dirty="0" err="1"/>
-              <a:t>int</a:t>
-            </a:r>
-            <a:r>
-              <a:rPr lang="en-IN" b="1" dirty="0"/>
-              <a:t> j = 0; j &lt; 2; j++)</a:t>
-            </a:r>
-          </a:p>
-          <a:p>
-            <a:r>
-              <a:rPr lang="en-IN" b="1" dirty="0"/>
-              <a:t>            </a:t>
-            </a:r>
-            <a:r>
-              <a:rPr lang="en-IN" b="1" dirty="0" err="1"/>
-              <a:t>cout</a:t>
-            </a:r>
-            <a:r>
-              <a:rPr lang="en-IN" b="1" dirty="0"/>
-              <a:t> &lt;&lt; </a:t>
-            </a:r>
-            <a:r>
-              <a:rPr lang="en-IN" b="1" dirty="0" err="1"/>
-              <a:t>arr</a:t>
-            </a:r>
-            <a:r>
-              <a:rPr lang="en-IN" b="1" dirty="0"/>
-              <a:t>[i][j] &lt;&lt; " ";</a:t>
-            </a:r>
-          </a:p>
-          <a:p>
-            <a:r>
-              <a:rPr lang="en-IN" b="1" dirty="0"/>
-              <a:t>        </a:t>
-            </a:r>
-            <a:r>
-              <a:rPr lang="en-IN" b="1" dirty="0" err="1"/>
-              <a:t>cout</a:t>
-            </a:r>
-            <a:r>
-              <a:rPr lang="en-IN" b="1" dirty="0"/>
-              <a:t> &lt;&lt; </a:t>
-            </a:r>
-            <a:r>
-              <a:rPr lang="en-IN" b="1" dirty="0" err="1"/>
-              <a:t>endl</a:t>
-            </a:r>
-            <a:r>
-              <a:rPr lang="en-IN" b="1" dirty="0"/>
-              <a:t>;</a:t>
-            </a:r>
-          </a:p>
-          <a:p>
-            <a:r>
-              <a:rPr lang="en-IN" b="1" dirty="0"/>
-              <a:t>    }</a:t>
-            </a:r>
-          </a:p>
-          <a:p>
-            <a:r>
-              <a:rPr lang="en-IN" b="1" dirty="0"/>
-              <a:t>    return 0;</a:t>
-            </a:r>
-          </a:p>
-          <a:p>
-            <a:r>
-              <a:rPr lang="en-IN" b="1" dirty="0"/>
-              <a:t>}</a:t>
-            </a:r>
-            <a:endParaRPr lang="en-IN" b="1" dirty="0"/>
-          </a:p>
-        </p:txBody>
-      </p:sp>
-      <p:sp>
-        <p:nvSpPr>
-          <p:cNvPr id="11" name="Rectangle 10"/>
-          <p:cNvSpPr/>
-          <p:nvPr/>
-        </p:nvSpPr>
-        <p:spPr>
-          <a:xfrm>
-            <a:off x="7345213" y="6357115"/>
-            <a:ext cx="1872208" cy="1107996"/>
-          </a:xfrm>
-          <a:prstGeom prst="rect">
-            <a:avLst/>
-          </a:prstGeom>
-          <a:solidFill>
-            <a:schemeClr val="tx1"/>
-          </a:solidFill>
-          <a:ln cmpd="tri">
-            <a:solidFill>
-              <a:schemeClr val="tx1"/>
-            </a:solidFill>
-          </a:ln>
-        </p:spPr>
-        <p:txBody>
-          <a:bodyPr wrap="square">
-            <a:spAutoFit/>
-          </a:bodyPr>
-          <a:lstStyle/>
-          <a:p>
-            <a:r>
-              <a:rPr lang="fr-FR" b="1" dirty="0">
-                <a:solidFill>
-                  <a:srgbClr val="FFFF00"/>
-                </a:solidFill>
-              </a:rPr>
-              <a:t>Matrix:</a:t>
-            </a:r>
-          </a:p>
-          <a:p>
-            <a:r>
-              <a:rPr lang="fr-FR" b="1" dirty="0">
-                <a:solidFill>
-                  <a:srgbClr val="FFFF00"/>
-                </a:solidFill>
-              </a:rPr>
-              <a:t>1 </a:t>
-            </a:r>
-            <a:r>
-              <a:rPr lang="fr-FR" b="1" dirty="0" smtClean="0">
-                <a:solidFill>
-                  <a:srgbClr val="FFFF00"/>
-                </a:solidFill>
-              </a:rPr>
-              <a:t>  2</a:t>
-            </a:r>
-            <a:endParaRPr lang="fr-FR" b="1" dirty="0">
-              <a:solidFill>
-                <a:srgbClr val="FFFF00"/>
-              </a:solidFill>
-            </a:endParaRPr>
-          </a:p>
-          <a:p>
-            <a:r>
-              <a:rPr lang="fr-FR" b="1" dirty="0">
-                <a:solidFill>
-                  <a:srgbClr val="FFFF00"/>
-                </a:solidFill>
-              </a:rPr>
-              <a:t>3 </a:t>
-            </a:r>
-            <a:r>
-              <a:rPr lang="fr-FR" b="1" dirty="0" smtClean="0">
-                <a:solidFill>
-                  <a:srgbClr val="FFFF00"/>
-                </a:solidFill>
-              </a:rPr>
-              <a:t>  4</a:t>
-            </a:r>
-            <a:endParaRPr lang="fr-FR" b="1" dirty="0">
-              <a:solidFill>
-                <a:srgbClr val="FFFF00"/>
-              </a:solidFill>
-            </a:endParaRPr>
-          </a:p>
-        </p:txBody>
-      </p:sp>
-    </p:spTree>
-    <p:extLst>
-      <p:ext uri="{BB962C8B-B14F-4D97-AF65-F5344CB8AC3E}">
-        <p14:creationId xmlns:p14="http://schemas.microsoft.com/office/powerpoint/2010/main" val="67922131"/>
-      </p:ext>
-    </p:extLst>
-  </p:cSld>
-  <p:clrMapOvr>
-    <a:masterClrMapping/>
-  </p:clrMapOvr>
-  <p:timing>
-    <p:tnLst>
-      <p:par>
-        <p:cTn id="1" dur="indefinite" restart="never" nodeType="tmRoot"/>
-      </p:par>
-    </p:tnLst>
-  </p:timing>
-</p:sld>
-</file>
-
-<file path=ppt/slides/slide15.xml><?xml version="1.0" encoding="utf-8"?>
-<p:sld xmlns:a="http://schemas.openxmlformats.org/drawingml/2006/main" xmlns:r="http://schemas.openxmlformats.org/officeDocument/2006/relationships" xmlns:p="http://schemas.openxmlformats.org/presentationml/2006/main">
-  <p:cSld>
-    <p:spTree>
-      <p:nvGrpSpPr>
-        <p:cNvPr id="1" name=""/>
-        <p:cNvGrpSpPr/>
-        <p:nvPr/>
-      </p:nvGrpSpPr>
-      <p:grpSpPr>
-        <a:xfrm>
-          <a:off x="0" y="0"/>
-          <a:ext cx="0" cy="0"/>
-          <a:chOff x="0" y="0"/>
-          <a:chExt cx="0" cy="0"/>
-        </a:xfrm>
-      </p:grpSpPr>
-      <p:pic>
-        <p:nvPicPr>
-          <p:cNvPr id="4" name="Picture 3"/>
-          <p:cNvPicPr>
-            <a:picLocks noChangeAspect="1"/>
-          </p:cNvPicPr>
-          <p:nvPr/>
-        </p:nvPicPr>
-        <p:blipFill>
-          <a:blip r:embed="rId2" cstate="print">
-            <a:extLst>
-              <a:ext uri="{28A0092B-C50C-407E-A947-70E740481C1C}">
-                <a14:useLocalDpi xmlns:a14="http://schemas.microsoft.com/office/drawing/2010/main" val="0"/>
-              </a:ext>
-            </a:extLst>
-          </a:blip>
-          <a:stretch>
-            <a:fillRect/>
-          </a:stretch>
-        </p:blipFill>
-        <p:spPr>
-          <a:xfrm>
-            <a:off x="10085409" y="216396"/>
-            <a:ext cx="973082" cy="720080"/>
-          </a:xfrm>
-          <a:prstGeom prst="rect">
-            <a:avLst/>
-          </a:prstGeom>
-        </p:spPr>
-      </p:pic>
-      <p:sp>
-        <p:nvSpPr>
-          <p:cNvPr id="5" name="TextBox 4"/>
-          <p:cNvSpPr txBox="1"/>
-          <p:nvPr/>
-        </p:nvSpPr>
-        <p:spPr>
-          <a:xfrm>
-            <a:off x="576461" y="576436"/>
-            <a:ext cx="4320480" cy="430887"/>
-          </a:xfrm>
-          <a:prstGeom prst="rect">
-            <a:avLst/>
-          </a:prstGeom>
-          <a:noFill/>
-        </p:spPr>
-        <p:txBody>
-          <a:bodyPr wrap="square" rtlCol="0">
-            <a:spAutoFit/>
-          </a:bodyPr>
-          <a:lstStyle/>
-          <a:p>
-            <a:r>
-              <a:rPr lang="en-IN" b="1" dirty="0" smtClean="0"/>
-              <a:t>2. Sum </a:t>
-            </a:r>
-            <a:r>
-              <a:rPr lang="en-IN" b="1" dirty="0"/>
-              <a:t>of All Elements</a:t>
-            </a:r>
-            <a:endParaRPr lang="en-IN" b="1" dirty="0">
-              <a:solidFill>
-                <a:srgbClr val="002060"/>
-              </a:solidFill>
-            </a:endParaRPr>
-          </a:p>
-        </p:txBody>
-      </p:sp>
-      <p:sp>
-        <p:nvSpPr>
-          <p:cNvPr id="2" name="Rectangle 1"/>
-          <p:cNvSpPr/>
-          <p:nvPr/>
-        </p:nvSpPr>
-        <p:spPr>
-          <a:xfrm>
-            <a:off x="648469" y="1296516"/>
-            <a:ext cx="6696744" cy="4832092"/>
-          </a:xfrm>
-          <a:prstGeom prst="rect">
-            <a:avLst/>
-          </a:prstGeom>
-          <a:gradFill>
-            <a:gsLst>
-              <a:gs pos="0">
-                <a:schemeClr val="accent1">
-                  <a:tint val="66000"/>
-                  <a:satMod val="160000"/>
-                </a:schemeClr>
-              </a:gs>
-              <a:gs pos="50000">
-                <a:schemeClr val="accent1">
-                  <a:tint val="44500"/>
-                  <a:satMod val="160000"/>
-                </a:schemeClr>
-              </a:gs>
-              <a:gs pos="100000">
-                <a:schemeClr val="accent1">
-                  <a:tint val="23500"/>
-                  <a:satMod val="160000"/>
-                </a:schemeClr>
-              </a:gs>
-            </a:gsLst>
-            <a:lin ang="5400000" scaled="0"/>
-          </a:gradFill>
-          <a:ln cmpd="tri">
-            <a:noFill/>
-          </a:ln>
-        </p:spPr>
-        <p:txBody>
-          <a:bodyPr wrap="square">
-            <a:spAutoFit/>
-          </a:bodyPr>
-          <a:lstStyle/>
-          <a:p>
-            <a:r>
-              <a:rPr lang="en-IN" b="1" dirty="0"/>
-              <a:t>#include &lt;</a:t>
-            </a:r>
-            <a:r>
-              <a:rPr lang="en-IN" b="1" dirty="0" err="1"/>
-              <a:t>iostream</a:t>
-            </a:r>
-            <a:r>
-              <a:rPr lang="en-IN" b="1" dirty="0"/>
-              <a:t>&gt;</a:t>
-            </a:r>
-          </a:p>
-          <a:p>
-            <a:r>
-              <a:rPr lang="en-IN" b="1" dirty="0"/>
-              <a:t>using namespace </a:t>
-            </a:r>
-            <a:r>
-              <a:rPr lang="en-IN" b="1" dirty="0" err="1"/>
-              <a:t>std</a:t>
-            </a:r>
-            <a:r>
-              <a:rPr lang="en-IN" b="1" dirty="0"/>
-              <a:t>;</a:t>
-            </a:r>
-          </a:p>
-          <a:p>
-            <a:endParaRPr lang="en-IN" b="1" dirty="0"/>
-          </a:p>
-          <a:p>
-            <a:r>
-              <a:rPr lang="en-IN" b="1" dirty="0" err="1"/>
-              <a:t>int</a:t>
-            </a:r>
-            <a:r>
-              <a:rPr lang="en-IN" b="1" dirty="0"/>
-              <a:t> main() {</a:t>
-            </a:r>
-          </a:p>
-          <a:p>
-            <a:r>
-              <a:rPr lang="en-IN" b="1" dirty="0"/>
-              <a:t>    </a:t>
-            </a:r>
-            <a:r>
-              <a:rPr lang="en-IN" b="1" dirty="0" err="1"/>
-              <a:t>int</a:t>
-            </a:r>
-            <a:r>
-              <a:rPr lang="en-IN" b="1" dirty="0"/>
-              <a:t> </a:t>
-            </a:r>
-            <a:r>
-              <a:rPr lang="en-IN" b="1" dirty="0" err="1"/>
-              <a:t>arr</a:t>
-            </a:r>
-            <a:r>
-              <a:rPr lang="en-IN" b="1" dirty="0"/>
-              <a:t>[2][3] = {{1, 2, 3}, {4, 5, 6}};</a:t>
-            </a:r>
-          </a:p>
-          <a:p>
-            <a:r>
-              <a:rPr lang="en-IN" b="1" dirty="0"/>
-              <a:t>    </a:t>
-            </a:r>
-            <a:r>
-              <a:rPr lang="en-IN" b="1" dirty="0" err="1"/>
-              <a:t>int</a:t>
-            </a:r>
-            <a:r>
-              <a:rPr lang="en-IN" b="1" dirty="0"/>
-              <a:t> sum = 0;</a:t>
-            </a:r>
-          </a:p>
-          <a:p>
-            <a:endParaRPr lang="en-IN" b="1" dirty="0"/>
-          </a:p>
-          <a:p>
-            <a:r>
-              <a:rPr lang="en-IN" b="1" dirty="0"/>
-              <a:t>    for(</a:t>
-            </a:r>
-            <a:r>
-              <a:rPr lang="en-IN" b="1" dirty="0" err="1"/>
-              <a:t>int</a:t>
-            </a:r>
-            <a:r>
-              <a:rPr lang="en-IN" b="1" dirty="0"/>
-              <a:t> i = 0; i &lt; 2; i++)</a:t>
-            </a:r>
-          </a:p>
-          <a:p>
-            <a:r>
-              <a:rPr lang="en-IN" b="1" dirty="0"/>
-              <a:t>        for(</a:t>
-            </a:r>
-            <a:r>
-              <a:rPr lang="en-IN" b="1" dirty="0" err="1"/>
-              <a:t>int</a:t>
-            </a:r>
-            <a:r>
-              <a:rPr lang="en-IN" b="1" dirty="0"/>
-              <a:t> j = 0; j &lt; 3; j++)</a:t>
-            </a:r>
-          </a:p>
-          <a:p>
-            <a:r>
-              <a:rPr lang="en-IN" b="1" dirty="0"/>
-              <a:t>            sum += </a:t>
-            </a:r>
-            <a:r>
-              <a:rPr lang="en-IN" b="1" dirty="0" err="1"/>
-              <a:t>arr</a:t>
-            </a:r>
-            <a:r>
-              <a:rPr lang="en-IN" b="1" dirty="0"/>
-              <a:t>[i][j];</a:t>
-            </a:r>
-          </a:p>
-          <a:p>
-            <a:endParaRPr lang="en-IN" b="1" dirty="0"/>
-          </a:p>
-          <a:p>
-            <a:r>
-              <a:rPr lang="en-IN" b="1" dirty="0"/>
-              <a:t>    </a:t>
-            </a:r>
-            <a:r>
-              <a:rPr lang="en-IN" b="1" dirty="0" err="1"/>
-              <a:t>cout</a:t>
-            </a:r>
-            <a:r>
-              <a:rPr lang="en-IN" b="1" dirty="0"/>
-              <a:t> &lt;&lt; "Sum = " &lt;&lt; sum;</a:t>
-            </a:r>
-          </a:p>
-          <a:p>
-            <a:r>
-              <a:rPr lang="en-IN" b="1" dirty="0"/>
-              <a:t>    return 0;</a:t>
-            </a:r>
-          </a:p>
-          <a:p>
-            <a:r>
-              <a:rPr lang="en-IN" b="1" dirty="0"/>
-              <a:t>}</a:t>
-            </a:r>
-          </a:p>
-        </p:txBody>
-      </p:sp>
-      <p:sp>
-        <p:nvSpPr>
-          <p:cNvPr id="11" name="Rectangle 10"/>
-          <p:cNvSpPr/>
-          <p:nvPr/>
-        </p:nvSpPr>
-        <p:spPr>
-          <a:xfrm>
-            <a:off x="7345213" y="5697721"/>
-            <a:ext cx="1872208" cy="430887"/>
-          </a:xfrm>
-          <a:prstGeom prst="rect">
-            <a:avLst/>
-          </a:prstGeom>
-          <a:solidFill>
-            <a:schemeClr val="tx1"/>
-          </a:solidFill>
-          <a:ln cmpd="tri">
-            <a:solidFill>
-              <a:schemeClr val="tx1"/>
-            </a:solidFill>
-          </a:ln>
-        </p:spPr>
-        <p:txBody>
-          <a:bodyPr wrap="square">
-            <a:spAutoFit/>
-          </a:bodyPr>
-          <a:lstStyle/>
-          <a:p>
-            <a:r>
-              <a:rPr lang="fr-FR" b="1" dirty="0" err="1">
-                <a:solidFill>
-                  <a:srgbClr val="FFFF00"/>
-                </a:solidFill>
-              </a:rPr>
-              <a:t>Sum</a:t>
-            </a:r>
-            <a:r>
-              <a:rPr lang="fr-FR" b="1" dirty="0">
-                <a:solidFill>
-                  <a:srgbClr val="FFFF00"/>
-                </a:solidFill>
-              </a:rPr>
-              <a:t> = 21</a:t>
-            </a:r>
-            <a:endParaRPr lang="fr-FR" b="1" dirty="0">
-              <a:solidFill>
-                <a:srgbClr val="FFFF00"/>
-              </a:solidFill>
-            </a:endParaRPr>
-          </a:p>
-        </p:txBody>
-      </p:sp>
-    </p:spTree>
-    <p:extLst>
-      <p:ext uri="{BB962C8B-B14F-4D97-AF65-F5344CB8AC3E}">
-        <p14:creationId xmlns:p14="http://schemas.microsoft.com/office/powerpoint/2010/main" val="3333302042"/>
-      </p:ext>
-    </p:extLst>
-  </p:cSld>
-  <p:clrMapOvr>
-    <a:masterClrMapping/>
-  </p:clrMapOvr>
-  <p:timing>
-    <p:tnLst>
-      <p:par>
-        <p:cTn id="1" dur="indefinite" restart="never" nodeType="tmRoot"/>
-      </p:par>
-    </p:tnLst>
-  </p:timing>
-</p:sld>
-</file>
-
-<file path=ppt/slides/slide16.xml><?xml version="1.0" encoding="utf-8"?>
-<p:sld xmlns:a="http://schemas.openxmlformats.org/drawingml/2006/main" xmlns:r="http://schemas.openxmlformats.org/officeDocument/2006/relationships" xmlns:p="http://schemas.openxmlformats.org/presentationml/2006/main">
-  <p:cSld>
-    <p:spTree>
-      <p:nvGrpSpPr>
-        <p:cNvPr id="1" name=""/>
-        <p:cNvGrpSpPr/>
-        <p:nvPr/>
-      </p:nvGrpSpPr>
-      <p:grpSpPr>
-        <a:xfrm>
-          <a:off x="0" y="0"/>
-          <a:ext cx="0" cy="0"/>
-          <a:chOff x="0" y="0"/>
-          <a:chExt cx="0" cy="0"/>
-        </a:xfrm>
-      </p:grpSpPr>
-      <p:pic>
-        <p:nvPicPr>
-          <p:cNvPr id="4" name="Picture 3"/>
-          <p:cNvPicPr>
-            <a:picLocks noChangeAspect="1"/>
-          </p:cNvPicPr>
-          <p:nvPr/>
-        </p:nvPicPr>
-        <p:blipFill>
-          <a:blip r:embed="rId2" cstate="print">
-            <a:extLst>
-              <a:ext uri="{28A0092B-C50C-407E-A947-70E740481C1C}">
-                <a14:useLocalDpi xmlns:a14="http://schemas.microsoft.com/office/drawing/2010/main" val="0"/>
-              </a:ext>
-            </a:extLst>
-          </a:blip>
-          <a:stretch>
-            <a:fillRect/>
-          </a:stretch>
-        </p:blipFill>
-        <p:spPr>
-          <a:xfrm>
-            <a:off x="10085409" y="216396"/>
-            <a:ext cx="973082" cy="720080"/>
-          </a:xfrm>
-          <a:prstGeom prst="rect">
-            <a:avLst/>
-          </a:prstGeom>
-        </p:spPr>
-      </p:pic>
-      <p:sp>
-        <p:nvSpPr>
-          <p:cNvPr id="5" name="TextBox 4"/>
-          <p:cNvSpPr txBox="1"/>
-          <p:nvPr/>
-        </p:nvSpPr>
-        <p:spPr>
-          <a:xfrm>
-            <a:off x="576461" y="576436"/>
-            <a:ext cx="4320480" cy="430887"/>
-          </a:xfrm>
-          <a:prstGeom prst="rect">
-            <a:avLst/>
-          </a:prstGeom>
-          <a:noFill/>
-        </p:spPr>
-        <p:txBody>
-          <a:bodyPr wrap="square" rtlCol="0">
-            <a:spAutoFit/>
-          </a:bodyPr>
-          <a:lstStyle/>
-          <a:p>
-            <a:r>
-              <a:rPr lang="en-IN" b="1" dirty="0" smtClean="0"/>
-              <a:t>3. Print </a:t>
-            </a:r>
-            <a:r>
-              <a:rPr lang="en-IN" b="1" dirty="0"/>
-              <a:t>Row-wise Sum</a:t>
-            </a:r>
-            <a:endParaRPr lang="en-IN" b="1" dirty="0">
-              <a:solidFill>
-                <a:srgbClr val="002060"/>
-              </a:solidFill>
-            </a:endParaRPr>
-          </a:p>
-        </p:txBody>
-      </p:sp>
-      <p:sp>
-        <p:nvSpPr>
-          <p:cNvPr id="2" name="Rectangle 1"/>
-          <p:cNvSpPr/>
-          <p:nvPr/>
-        </p:nvSpPr>
-        <p:spPr>
-          <a:xfrm>
-            <a:off x="648469" y="1296516"/>
-            <a:ext cx="7632848" cy="5170646"/>
-          </a:xfrm>
-          <a:prstGeom prst="rect">
-            <a:avLst/>
-          </a:prstGeom>
-          <a:gradFill>
-            <a:gsLst>
-              <a:gs pos="0">
-                <a:schemeClr val="accent1">
-                  <a:tint val="66000"/>
-                  <a:satMod val="160000"/>
-                </a:schemeClr>
-              </a:gs>
-              <a:gs pos="50000">
-                <a:schemeClr val="accent1">
-                  <a:tint val="44500"/>
-                  <a:satMod val="160000"/>
-                </a:schemeClr>
-              </a:gs>
-              <a:gs pos="100000">
-                <a:schemeClr val="accent1">
-                  <a:tint val="23500"/>
-                  <a:satMod val="160000"/>
-                </a:schemeClr>
-              </a:gs>
-            </a:gsLst>
-            <a:lin ang="5400000" scaled="0"/>
-          </a:gradFill>
-          <a:ln cmpd="tri">
-            <a:noFill/>
-          </a:ln>
-        </p:spPr>
-        <p:txBody>
-          <a:bodyPr wrap="square">
-            <a:spAutoFit/>
-          </a:bodyPr>
-          <a:lstStyle/>
-          <a:p>
-            <a:r>
-              <a:rPr lang="en-IN" b="1" dirty="0"/>
-              <a:t>#include &lt;</a:t>
-            </a:r>
-            <a:r>
-              <a:rPr lang="en-IN" b="1" dirty="0" err="1"/>
-              <a:t>iostream</a:t>
-            </a:r>
-            <a:r>
-              <a:rPr lang="en-IN" b="1" dirty="0"/>
-              <a:t>&gt;</a:t>
-            </a:r>
-          </a:p>
-          <a:p>
-            <a:r>
-              <a:rPr lang="en-IN" b="1" dirty="0"/>
-              <a:t>using namespace </a:t>
-            </a:r>
-            <a:r>
-              <a:rPr lang="en-IN" b="1" dirty="0" err="1"/>
-              <a:t>std</a:t>
-            </a:r>
-            <a:r>
-              <a:rPr lang="en-IN" b="1" dirty="0"/>
-              <a:t>;</a:t>
-            </a:r>
-          </a:p>
-          <a:p>
-            <a:endParaRPr lang="en-IN" b="1" dirty="0"/>
-          </a:p>
-          <a:p>
-            <a:r>
-              <a:rPr lang="en-IN" b="1" dirty="0" err="1"/>
-              <a:t>int</a:t>
-            </a:r>
-            <a:r>
-              <a:rPr lang="en-IN" b="1" dirty="0"/>
-              <a:t> main() {</a:t>
-            </a:r>
-          </a:p>
-          <a:p>
-            <a:r>
-              <a:rPr lang="en-IN" b="1" dirty="0"/>
-              <a:t>    </a:t>
-            </a:r>
-            <a:r>
-              <a:rPr lang="en-IN" b="1" dirty="0" err="1"/>
-              <a:t>int</a:t>
-            </a:r>
-            <a:r>
-              <a:rPr lang="en-IN" b="1" dirty="0"/>
-              <a:t> </a:t>
-            </a:r>
-            <a:r>
-              <a:rPr lang="en-IN" b="1" dirty="0" err="1"/>
-              <a:t>arr</a:t>
-            </a:r>
-            <a:r>
-              <a:rPr lang="en-IN" b="1" dirty="0"/>
-              <a:t>[2][3] = {{1, 2, 3}, {4, 5, 6}};</a:t>
-            </a:r>
-          </a:p>
-          <a:p>
-            <a:r>
-              <a:rPr lang="en-IN" b="1" dirty="0"/>
-              <a:t>    </a:t>
-            </a:r>
-          </a:p>
-          <a:p>
-            <a:r>
-              <a:rPr lang="en-IN" b="1" dirty="0"/>
-              <a:t>    for(</a:t>
-            </a:r>
-            <a:r>
-              <a:rPr lang="en-IN" b="1" dirty="0" err="1"/>
-              <a:t>int</a:t>
-            </a:r>
-            <a:r>
-              <a:rPr lang="en-IN" b="1" dirty="0"/>
-              <a:t> i = 0; i &lt; 2; i++) {</a:t>
-            </a:r>
-          </a:p>
-          <a:p>
-            <a:r>
-              <a:rPr lang="en-IN" b="1" dirty="0"/>
-              <a:t>        </a:t>
-            </a:r>
-            <a:r>
-              <a:rPr lang="en-IN" b="1" dirty="0" err="1"/>
-              <a:t>int</a:t>
-            </a:r>
-            <a:r>
-              <a:rPr lang="en-IN" b="1" dirty="0"/>
-              <a:t> </a:t>
-            </a:r>
-            <a:r>
-              <a:rPr lang="en-IN" b="1" dirty="0" err="1"/>
-              <a:t>rowSum</a:t>
-            </a:r>
-            <a:r>
-              <a:rPr lang="en-IN" b="1" dirty="0"/>
-              <a:t> = 0;</a:t>
-            </a:r>
-          </a:p>
-          <a:p>
-            <a:r>
-              <a:rPr lang="en-IN" b="1" dirty="0"/>
-              <a:t>        for(</a:t>
-            </a:r>
-            <a:r>
-              <a:rPr lang="en-IN" b="1" dirty="0" err="1"/>
-              <a:t>int</a:t>
-            </a:r>
-            <a:r>
-              <a:rPr lang="en-IN" b="1" dirty="0"/>
-              <a:t> j = 0; j &lt; 3; j++)</a:t>
-            </a:r>
-          </a:p>
-          <a:p>
-            <a:r>
-              <a:rPr lang="en-IN" b="1" dirty="0"/>
-              <a:t>            </a:t>
-            </a:r>
-            <a:r>
-              <a:rPr lang="en-IN" b="1" dirty="0" err="1"/>
-              <a:t>rowSum</a:t>
-            </a:r>
-            <a:r>
-              <a:rPr lang="en-IN" b="1" dirty="0"/>
-              <a:t> += </a:t>
-            </a:r>
-            <a:r>
-              <a:rPr lang="en-IN" b="1" dirty="0" err="1"/>
-              <a:t>arr</a:t>
-            </a:r>
-            <a:r>
-              <a:rPr lang="en-IN" b="1" dirty="0"/>
-              <a:t>[i][j];</a:t>
-            </a:r>
-          </a:p>
-          <a:p>
-            <a:r>
-              <a:rPr lang="en-IN" b="1" dirty="0"/>
-              <a:t>        </a:t>
-            </a:r>
-            <a:r>
-              <a:rPr lang="en-IN" b="1" dirty="0" err="1"/>
-              <a:t>cout</a:t>
-            </a:r>
-            <a:r>
-              <a:rPr lang="en-IN" b="1" dirty="0"/>
-              <a:t> &lt;&lt; "Sum of row " &lt;&lt; i + 1 &lt;&lt; " = " &lt;&lt; </a:t>
-            </a:r>
-            <a:r>
-              <a:rPr lang="en-IN" b="1" dirty="0" err="1"/>
-              <a:t>rowSum</a:t>
-            </a:r>
-            <a:r>
-              <a:rPr lang="en-IN" b="1" dirty="0"/>
-              <a:t> &lt;&lt; </a:t>
-            </a:r>
-            <a:r>
-              <a:rPr lang="en-IN" b="1" dirty="0" err="1"/>
-              <a:t>endl</a:t>
-            </a:r>
-            <a:r>
-              <a:rPr lang="en-IN" b="1" dirty="0"/>
-              <a:t>;</a:t>
-            </a:r>
-          </a:p>
-          <a:p>
-            <a:r>
-              <a:rPr lang="en-IN" b="1" dirty="0"/>
-              <a:t>    }</a:t>
-            </a:r>
-          </a:p>
-          <a:p>
-            <a:endParaRPr lang="en-IN" b="1" dirty="0"/>
-          </a:p>
-          <a:p>
-            <a:r>
-              <a:rPr lang="en-IN" b="1" dirty="0"/>
-              <a:t>    return 0;</a:t>
-            </a:r>
-          </a:p>
-          <a:p>
-            <a:r>
-              <a:rPr lang="en-IN" b="1" dirty="0"/>
-              <a:t>}</a:t>
-            </a:r>
-          </a:p>
-        </p:txBody>
-      </p:sp>
-      <p:sp>
-        <p:nvSpPr>
-          <p:cNvPr id="11" name="Rectangle 10"/>
-          <p:cNvSpPr/>
-          <p:nvPr/>
-        </p:nvSpPr>
-        <p:spPr>
-          <a:xfrm>
-            <a:off x="8275484" y="5697721"/>
-            <a:ext cx="2777174" cy="769441"/>
-          </a:xfrm>
-          <a:prstGeom prst="rect">
-            <a:avLst/>
-          </a:prstGeom>
-          <a:solidFill>
-            <a:schemeClr val="tx1"/>
-          </a:solidFill>
-          <a:ln cmpd="tri">
-            <a:solidFill>
-              <a:schemeClr val="tx1"/>
-            </a:solidFill>
-          </a:ln>
-        </p:spPr>
-        <p:txBody>
-          <a:bodyPr wrap="square">
-            <a:spAutoFit/>
-          </a:bodyPr>
-          <a:lstStyle/>
-          <a:p>
-            <a:r>
-              <a:rPr lang="en-US" b="1" dirty="0">
-                <a:solidFill>
-                  <a:srgbClr val="FFFF00"/>
-                </a:solidFill>
-              </a:rPr>
-              <a:t>Sum of row 1 = 6  </a:t>
-            </a:r>
-          </a:p>
-          <a:p>
-            <a:r>
-              <a:rPr lang="en-US" b="1" dirty="0">
-                <a:solidFill>
-                  <a:srgbClr val="FFFF00"/>
-                </a:solidFill>
-              </a:rPr>
-              <a:t>Sum of row 2 = 15</a:t>
-            </a:r>
-            <a:endParaRPr lang="fr-FR" b="1" dirty="0">
-              <a:solidFill>
-                <a:srgbClr val="FFFF00"/>
-              </a:solidFill>
-            </a:endParaRPr>
-          </a:p>
-        </p:txBody>
-      </p:sp>
-    </p:spTree>
-    <p:extLst>
-      <p:ext uri="{BB962C8B-B14F-4D97-AF65-F5344CB8AC3E}">
-        <p14:creationId xmlns:p14="http://schemas.microsoft.com/office/powerpoint/2010/main" val="2170082371"/>
-      </p:ext>
-    </p:extLst>
-  </p:cSld>
-  <p:clrMapOvr>
-    <a:masterClrMapping/>
-  </p:clrMapOvr>
-  <p:timing>
-    <p:tnLst>
-      <p:par>
-        <p:cTn id="1" dur="indefinite" restart="never" nodeType="tmRoot"/>
-      </p:par>
-    </p:tnLst>
-  </p:timing>
-</p:sld>
-</file>
-
-<file path=ppt/slides/slide17.xml><?xml version="1.0" encoding="utf-8"?>
-<p:sld xmlns:a="http://schemas.openxmlformats.org/drawingml/2006/main" xmlns:r="http://schemas.openxmlformats.org/officeDocument/2006/relationships" xmlns:p="http://schemas.openxmlformats.org/presentationml/2006/main">
-  <p:cSld>
-    <p:spTree>
-      <p:nvGrpSpPr>
-        <p:cNvPr id="1" name=""/>
-        <p:cNvGrpSpPr/>
-        <p:nvPr/>
-      </p:nvGrpSpPr>
-      <p:grpSpPr>
-        <a:xfrm>
-          <a:off x="0" y="0"/>
-          <a:ext cx="0" cy="0"/>
-          <a:chOff x="0" y="0"/>
-          <a:chExt cx="0" cy="0"/>
-        </a:xfrm>
-      </p:grpSpPr>
-      <p:pic>
-        <p:nvPicPr>
-          <p:cNvPr id="4" name="Picture 3"/>
-          <p:cNvPicPr>
-            <a:picLocks noChangeAspect="1"/>
-          </p:cNvPicPr>
-          <p:nvPr/>
-        </p:nvPicPr>
-        <p:blipFill>
-          <a:blip r:embed="rId2" cstate="print">
-            <a:extLst>
-              <a:ext uri="{28A0092B-C50C-407E-A947-70E740481C1C}">
-                <a14:useLocalDpi xmlns:a14="http://schemas.microsoft.com/office/drawing/2010/main" val="0"/>
-              </a:ext>
-            </a:extLst>
-          </a:blip>
-          <a:stretch>
-            <a:fillRect/>
-          </a:stretch>
-        </p:blipFill>
-        <p:spPr>
-          <a:xfrm>
-            <a:off x="10085409" y="216396"/>
-            <a:ext cx="973082" cy="720080"/>
-          </a:xfrm>
-          <a:prstGeom prst="rect">
-            <a:avLst/>
-          </a:prstGeom>
-        </p:spPr>
-      </p:pic>
-      <p:sp>
-        <p:nvSpPr>
-          <p:cNvPr id="5" name="TextBox 4"/>
-          <p:cNvSpPr txBox="1"/>
-          <p:nvPr/>
-        </p:nvSpPr>
-        <p:spPr>
-          <a:xfrm>
-            <a:off x="576461" y="576436"/>
-            <a:ext cx="4320480" cy="430887"/>
-          </a:xfrm>
-          <a:prstGeom prst="rect">
-            <a:avLst/>
-          </a:prstGeom>
-          <a:noFill/>
-        </p:spPr>
-        <p:txBody>
-          <a:bodyPr wrap="square" rtlCol="0">
-            <a:spAutoFit/>
-          </a:bodyPr>
-          <a:lstStyle/>
-          <a:p>
-            <a:r>
-              <a:rPr lang="en-IN" b="1" dirty="0" smtClean="0"/>
-              <a:t>4. Transpose </a:t>
-            </a:r>
-            <a:r>
-              <a:rPr lang="en-IN" b="1" dirty="0"/>
-              <a:t>of 2D Array</a:t>
-            </a:r>
-            <a:endParaRPr lang="en-IN" b="1" dirty="0">
-              <a:solidFill>
-                <a:srgbClr val="002060"/>
-              </a:solidFill>
-            </a:endParaRPr>
-          </a:p>
-        </p:txBody>
-      </p:sp>
-      <p:sp>
-        <p:nvSpPr>
-          <p:cNvPr id="2" name="Rectangle 1"/>
-          <p:cNvSpPr/>
-          <p:nvPr/>
-        </p:nvSpPr>
-        <p:spPr>
-          <a:xfrm>
-            <a:off x="648469" y="1296516"/>
-            <a:ext cx="7632848" cy="5170646"/>
-          </a:xfrm>
-          <a:prstGeom prst="rect">
-            <a:avLst/>
-          </a:prstGeom>
-          <a:gradFill>
-            <a:gsLst>
-              <a:gs pos="0">
-                <a:schemeClr val="accent1">
-                  <a:tint val="66000"/>
-                  <a:satMod val="160000"/>
-                </a:schemeClr>
-              </a:gs>
-              <a:gs pos="50000">
-                <a:schemeClr val="accent1">
-                  <a:tint val="44500"/>
-                  <a:satMod val="160000"/>
-                </a:schemeClr>
-              </a:gs>
-              <a:gs pos="100000">
-                <a:schemeClr val="accent1">
-                  <a:tint val="23500"/>
-                  <a:satMod val="160000"/>
-                </a:schemeClr>
-              </a:gs>
-            </a:gsLst>
-            <a:lin ang="5400000" scaled="0"/>
-          </a:gradFill>
-          <a:ln cmpd="tri">
-            <a:noFill/>
-          </a:ln>
-        </p:spPr>
-        <p:txBody>
-          <a:bodyPr wrap="square">
-            <a:spAutoFit/>
-          </a:bodyPr>
-          <a:lstStyle/>
-          <a:p>
-            <a:r>
-              <a:rPr lang="en-IN" b="1" dirty="0"/>
-              <a:t>#include &lt;</a:t>
-            </a:r>
-            <a:r>
-              <a:rPr lang="en-IN" b="1" dirty="0" err="1"/>
-              <a:t>iostream</a:t>
-            </a:r>
-            <a:r>
-              <a:rPr lang="en-IN" b="1" dirty="0"/>
-              <a:t>&gt;</a:t>
-            </a:r>
-          </a:p>
-          <a:p>
-            <a:r>
-              <a:rPr lang="en-IN" b="1" dirty="0"/>
-              <a:t>using namespace </a:t>
-            </a:r>
-            <a:r>
-              <a:rPr lang="en-IN" b="1" dirty="0" err="1"/>
-              <a:t>std</a:t>
-            </a:r>
-            <a:r>
-              <a:rPr lang="en-IN" b="1" dirty="0"/>
-              <a:t>;</a:t>
-            </a:r>
-          </a:p>
-          <a:p>
-            <a:endParaRPr lang="en-IN" b="1" dirty="0"/>
-          </a:p>
-          <a:p>
-            <a:r>
-              <a:rPr lang="en-IN" b="1" dirty="0" err="1"/>
-              <a:t>int</a:t>
-            </a:r>
-            <a:r>
-              <a:rPr lang="en-IN" b="1" dirty="0"/>
-              <a:t> main() {</a:t>
-            </a:r>
-          </a:p>
-          <a:p>
-            <a:r>
-              <a:rPr lang="en-IN" b="1" dirty="0"/>
-              <a:t>    </a:t>
-            </a:r>
-            <a:r>
-              <a:rPr lang="en-IN" b="1" dirty="0" err="1"/>
-              <a:t>int</a:t>
-            </a:r>
-            <a:r>
-              <a:rPr lang="en-IN" b="1" dirty="0"/>
-              <a:t> </a:t>
-            </a:r>
-            <a:r>
-              <a:rPr lang="en-IN" b="1" dirty="0" err="1"/>
-              <a:t>arr</a:t>
-            </a:r>
-            <a:r>
-              <a:rPr lang="en-IN" b="1" dirty="0"/>
-              <a:t>[2][3] = {{1, 2, 3}, {4, 5, 6}};</a:t>
-            </a:r>
-          </a:p>
-          <a:p>
-            <a:r>
-              <a:rPr lang="en-IN" b="1" dirty="0"/>
-              <a:t>    </a:t>
-            </a:r>
-          </a:p>
-          <a:p>
-            <a:r>
-              <a:rPr lang="en-IN" b="1" dirty="0"/>
-              <a:t>    </a:t>
-            </a:r>
-            <a:r>
-              <a:rPr lang="en-IN" b="1" dirty="0" err="1"/>
-              <a:t>cout</a:t>
-            </a:r>
-            <a:r>
-              <a:rPr lang="en-IN" b="1" dirty="0"/>
-              <a:t> &lt;&lt; "Transpose:\n";</a:t>
-            </a:r>
-          </a:p>
-          <a:p>
-            <a:r>
-              <a:rPr lang="en-IN" b="1" dirty="0"/>
-              <a:t>    for(</a:t>
-            </a:r>
-            <a:r>
-              <a:rPr lang="en-IN" b="1" dirty="0" err="1"/>
-              <a:t>int</a:t>
-            </a:r>
-            <a:r>
-              <a:rPr lang="en-IN" b="1" dirty="0"/>
-              <a:t> j = 0; j &lt; 3; j++) {</a:t>
-            </a:r>
-          </a:p>
-          <a:p>
-            <a:r>
-              <a:rPr lang="en-IN" b="1" dirty="0"/>
-              <a:t>        for(</a:t>
-            </a:r>
-            <a:r>
-              <a:rPr lang="en-IN" b="1" dirty="0" err="1"/>
-              <a:t>int</a:t>
-            </a:r>
-            <a:r>
-              <a:rPr lang="en-IN" b="1" dirty="0"/>
-              <a:t> i = 0; i &lt; 2; i++)</a:t>
-            </a:r>
-          </a:p>
-          <a:p>
-            <a:r>
-              <a:rPr lang="en-IN" b="1" dirty="0"/>
-              <a:t>            </a:t>
-            </a:r>
-            <a:r>
-              <a:rPr lang="en-IN" b="1" dirty="0" err="1"/>
-              <a:t>cout</a:t>
-            </a:r>
-            <a:r>
-              <a:rPr lang="en-IN" b="1" dirty="0"/>
-              <a:t> &lt;&lt; </a:t>
-            </a:r>
-            <a:r>
-              <a:rPr lang="en-IN" b="1" dirty="0" err="1"/>
-              <a:t>arr</a:t>
-            </a:r>
-            <a:r>
-              <a:rPr lang="en-IN" b="1" dirty="0"/>
-              <a:t>[i][j] &lt;&lt; " ";</a:t>
-            </a:r>
-          </a:p>
-          <a:p>
-            <a:r>
-              <a:rPr lang="en-IN" b="1" dirty="0"/>
-              <a:t>        </a:t>
-            </a:r>
-            <a:r>
-              <a:rPr lang="en-IN" b="1" dirty="0" err="1"/>
-              <a:t>cout</a:t>
-            </a:r>
-            <a:r>
-              <a:rPr lang="en-IN" b="1" dirty="0"/>
-              <a:t> &lt;&lt; </a:t>
-            </a:r>
-            <a:r>
-              <a:rPr lang="en-IN" b="1" dirty="0" err="1"/>
-              <a:t>endl</a:t>
-            </a:r>
-            <a:r>
-              <a:rPr lang="en-IN" b="1" dirty="0"/>
-              <a:t>;</a:t>
-            </a:r>
-          </a:p>
-          <a:p>
-            <a:r>
-              <a:rPr lang="en-IN" b="1" dirty="0"/>
-              <a:t>    }</a:t>
-            </a:r>
-          </a:p>
-          <a:p>
-            <a:endParaRPr lang="en-IN" b="1" dirty="0"/>
-          </a:p>
-          <a:p>
-            <a:r>
-              <a:rPr lang="en-IN" b="1" dirty="0"/>
-              <a:t>    return 0;</a:t>
-            </a:r>
-          </a:p>
-          <a:p>
-            <a:r>
-              <a:rPr lang="en-IN" b="1" dirty="0"/>
-              <a:t>}</a:t>
-            </a:r>
-          </a:p>
-        </p:txBody>
-      </p:sp>
-      <p:sp>
-        <p:nvSpPr>
-          <p:cNvPr id="11" name="Rectangle 10"/>
-          <p:cNvSpPr/>
-          <p:nvPr/>
-        </p:nvSpPr>
-        <p:spPr>
-          <a:xfrm>
-            <a:off x="8275484" y="5020612"/>
-            <a:ext cx="2296466" cy="1446550"/>
-          </a:xfrm>
-          <a:prstGeom prst="rect">
-            <a:avLst/>
-          </a:prstGeom>
-          <a:solidFill>
-            <a:schemeClr val="tx1"/>
-          </a:solidFill>
-          <a:ln cmpd="tri">
-            <a:solidFill>
-              <a:schemeClr val="tx1"/>
-            </a:solidFill>
-          </a:ln>
-        </p:spPr>
-        <p:txBody>
-          <a:bodyPr wrap="square">
-            <a:spAutoFit/>
-          </a:bodyPr>
-          <a:lstStyle/>
-          <a:p>
-            <a:r>
-              <a:rPr lang="en-US" b="1" dirty="0">
-                <a:solidFill>
-                  <a:srgbClr val="FFFF00"/>
-                </a:solidFill>
-              </a:rPr>
-              <a:t>Transpose:</a:t>
-            </a:r>
-          </a:p>
-          <a:p>
-            <a:r>
-              <a:rPr lang="en-US" b="1" dirty="0">
-                <a:solidFill>
-                  <a:srgbClr val="FFFF00"/>
-                </a:solidFill>
-              </a:rPr>
-              <a:t>1 4  </a:t>
-            </a:r>
-          </a:p>
-          <a:p>
-            <a:r>
-              <a:rPr lang="en-US" b="1" dirty="0">
-                <a:solidFill>
-                  <a:srgbClr val="FFFF00"/>
-                </a:solidFill>
-              </a:rPr>
-              <a:t>2 5  </a:t>
-            </a:r>
-          </a:p>
-          <a:p>
-            <a:r>
-              <a:rPr lang="en-US" b="1" dirty="0">
-                <a:solidFill>
-                  <a:srgbClr val="FFFF00"/>
-                </a:solidFill>
-              </a:rPr>
-              <a:t>3 6</a:t>
-            </a:r>
-          </a:p>
-        </p:txBody>
-      </p:sp>
-    </p:spTree>
-    <p:extLst>
-      <p:ext uri="{BB962C8B-B14F-4D97-AF65-F5344CB8AC3E}">
-        <p14:creationId xmlns:p14="http://schemas.microsoft.com/office/powerpoint/2010/main" val="4034811359"/>
-      </p:ext>
-    </p:extLst>
-  </p:cSld>
-  <p:clrMapOvr>
-    <a:masterClrMapping/>
-  </p:clrMapOvr>
-  <p:timing>
-    <p:tnLst>
-      <p:par>
-        <p:cTn id="1" dur="indefinite" restart="never" nodeType="tmRoot"/>
-      </p:par>
-    </p:tnLst>
-  </p:timing>
-</p:sld>
-</file>
-
-<file path=ppt/slides/slide18.xml><?xml version="1.0" encoding="utf-8"?>
-<p:sld xmlns:a="http://schemas.openxmlformats.org/drawingml/2006/main" xmlns:r="http://schemas.openxmlformats.org/officeDocument/2006/relationships" xmlns:p="http://schemas.openxmlformats.org/presentationml/2006/main">
-  <p:cSld>
-    <p:spTree>
-      <p:nvGrpSpPr>
-        <p:cNvPr id="1" name=""/>
-        <p:cNvGrpSpPr/>
-        <p:nvPr/>
-      </p:nvGrpSpPr>
-      <p:grpSpPr>
-        <a:xfrm>
-          <a:off x="0" y="0"/>
-          <a:ext cx="0" cy="0"/>
-          <a:chOff x="0" y="0"/>
-          <a:chExt cx="0" cy="0"/>
-        </a:xfrm>
-      </p:grpSpPr>
-      <p:pic>
-        <p:nvPicPr>
-          <p:cNvPr id="4" name="Picture 3"/>
-          <p:cNvPicPr>
-            <a:picLocks noChangeAspect="1"/>
-          </p:cNvPicPr>
-          <p:nvPr/>
-        </p:nvPicPr>
-        <p:blipFill>
-          <a:blip r:embed="rId2" cstate="print">
-            <a:extLst>
-              <a:ext uri="{28A0092B-C50C-407E-A947-70E740481C1C}">
-                <a14:useLocalDpi xmlns:a14="http://schemas.microsoft.com/office/drawing/2010/main" val="0"/>
-              </a:ext>
-            </a:extLst>
-          </a:blip>
-          <a:stretch>
-            <a:fillRect/>
-          </a:stretch>
-        </p:blipFill>
-        <p:spPr>
-          <a:xfrm>
-            <a:off x="10085409" y="216396"/>
-            <a:ext cx="973082" cy="720080"/>
-          </a:xfrm>
-          <a:prstGeom prst="rect">
-            <a:avLst/>
-          </a:prstGeom>
-        </p:spPr>
-      </p:pic>
-      <p:sp>
-        <p:nvSpPr>
-          <p:cNvPr id="5" name="TextBox 4"/>
-          <p:cNvSpPr txBox="1"/>
-          <p:nvPr/>
-        </p:nvSpPr>
-        <p:spPr>
-          <a:xfrm>
-            <a:off x="576461" y="576436"/>
-            <a:ext cx="4320480" cy="430887"/>
-          </a:xfrm>
-          <a:prstGeom prst="rect">
-            <a:avLst/>
-          </a:prstGeom>
-          <a:noFill/>
-        </p:spPr>
-        <p:txBody>
-          <a:bodyPr wrap="square" rtlCol="0">
-            <a:spAutoFit/>
-          </a:bodyPr>
-          <a:lstStyle/>
-          <a:p>
-            <a:r>
-              <a:rPr lang="en-IN" b="1" smtClean="0"/>
-              <a:t>5. Find </a:t>
-            </a:r>
-            <a:r>
-              <a:rPr lang="en-IN" b="1" dirty="0"/>
-              <a:t>Maximum Element</a:t>
-            </a:r>
-            <a:endParaRPr lang="en-IN" b="1" dirty="0">
-              <a:solidFill>
-                <a:srgbClr val="002060"/>
-              </a:solidFill>
-            </a:endParaRPr>
-          </a:p>
-        </p:txBody>
-      </p:sp>
-      <p:sp>
-        <p:nvSpPr>
-          <p:cNvPr id="2" name="Rectangle 1"/>
-          <p:cNvSpPr/>
-          <p:nvPr/>
-        </p:nvSpPr>
-        <p:spPr>
-          <a:xfrm>
-            <a:off x="648469" y="1296516"/>
-            <a:ext cx="7632848" cy="5170646"/>
-          </a:xfrm>
-          <a:prstGeom prst="rect">
-            <a:avLst/>
-          </a:prstGeom>
-          <a:gradFill>
-            <a:gsLst>
-              <a:gs pos="0">
-                <a:schemeClr val="accent1">
-                  <a:tint val="66000"/>
-                  <a:satMod val="160000"/>
-                </a:schemeClr>
-              </a:gs>
-              <a:gs pos="50000">
-                <a:schemeClr val="accent1">
-                  <a:tint val="44500"/>
-                  <a:satMod val="160000"/>
-                </a:schemeClr>
-              </a:gs>
-              <a:gs pos="100000">
-                <a:schemeClr val="accent1">
-                  <a:tint val="23500"/>
-                  <a:satMod val="160000"/>
-                </a:schemeClr>
-              </a:gs>
-            </a:gsLst>
-            <a:lin ang="5400000" scaled="0"/>
-          </a:gradFill>
-          <a:ln cmpd="tri">
-            <a:noFill/>
-          </a:ln>
-        </p:spPr>
-        <p:txBody>
-          <a:bodyPr wrap="square">
-            <a:spAutoFit/>
-          </a:bodyPr>
-          <a:lstStyle/>
-          <a:p>
-            <a:r>
-              <a:rPr lang="en-IN" b="1" dirty="0"/>
-              <a:t>#include &lt;</a:t>
-            </a:r>
-            <a:r>
-              <a:rPr lang="en-IN" b="1" dirty="0" err="1"/>
-              <a:t>iostream</a:t>
-            </a:r>
-            <a:r>
-              <a:rPr lang="en-IN" b="1" dirty="0"/>
-              <a:t>&gt;</a:t>
-            </a:r>
-          </a:p>
-          <a:p>
-            <a:r>
-              <a:rPr lang="en-IN" b="1" dirty="0"/>
-              <a:t>using namespace </a:t>
-            </a:r>
-            <a:r>
-              <a:rPr lang="en-IN" b="1" dirty="0" err="1"/>
-              <a:t>std</a:t>
-            </a:r>
-            <a:r>
-              <a:rPr lang="en-IN" b="1" dirty="0"/>
-              <a:t>;</a:t>
-            </a:r>
-          </a:p>
-          <a:p>
-            <a:endParaRPr lang="en-IN" b="1" dirty="0"/>
-          </a:p>
-          <a:p>
-            <a:r>
-              <a:rPr lang="en-IN" b="1" dirty="0" err="1"/>
-              <a:t>int</a:t>
-            </a:r>
-            <a:r>
-              <a:rPr lang="en-IN" b="1" dirty="0"/>
-              <a:t> main() {</a:t>
-            </a:r>
-          </a:p>
-          <a:p>
-            <a:r>
-              <a:rPr lang="en-IN" b="1" dirty="0"/>
-              <a:t>    </a:t>
-            </a:r>
-            <a:r>
-              <a:rPr lang="en-IN" b="1" dirty="0" err="1"/>
-              <a:t>int</a:t>
-            </a:r>
-            <a:r>
-              <a:rPr lang="en-IN" b="1" dirty="0"/>
-              <a:t> </a:t>
-            </a:r>
-            <a:r>
-              <a:rPr lang="en-IN" b="1" dirty="0" err="1"/>
-              <a:t>arr</a:t>
-            </a:r>
-            <a:r>
-              <a:rPr lang="en-IN" b="1" dirty="0"/>
-              <a:t>[2][2] = {{8, 15}, {3, 12}};</a:t>
-            </a:r>
-          </a:p>
-          <a:p>
-            <a:r>
-              <a:rPr lang="en-IN" b="1" dirty="0"/>
-              <a:t>    </a:t>
-            </a:r>
-            <a:r>
-              <a:rPr lang="en-IN" b="1" dirty="0" err="1"/>
-              <a:t>int</a:t>
-            </a:r>
-            <a:r>
-              <a:rPr lang="en-IN" b="1" dirty="0"/>
-              <a:t> max = </a:t>
-            </a:r>
-            <a:r>
-              <a:rPr lang="en-IN" b="1" dirty="0" err="1"/>
-              <a:t>arr</a:t>
-            </a:r>
-            <a:r>
-              <a:rPr lang="en-IN" b="1" dirty="0"/>
-              <a:t>[0][0];</a:t>
-            </a:r>
-          </a:p>
-          <a:p>
-            <a:endParaRPr lang="en-IN" b="1" dirty="0"/>
-          </a:p>
-          <a:p>
-            <a:r>
-              <a:rPr lang="en-IN" b="1" dirty="0"/>
-              <a:t>    for(</a:t>
-            </a:r>
-            <a:r>
-              <a:rPr lang="en-IN" b="1" dirty="0" err="1"/>
-              <a:t>int</a:t>
-            </a:r>
-            <a:r>
-              <a:rPr lang="en-IN" b="1" dirty="0"/>
-              <a:t> i = 0; i &lt; 2; i++)</a:t>
-            </a:r>
-          </a:p>
-          <a:p>
-            <a:r>
-              <a:rPr lang="en-IN" b="1" dirty="0"/>
-              <a:t>        for(</a:t>
-            </a:r>
-            <a:r>
-              <a:rPr lang="en-IN" b="1" dirty="0" err="1"/>
-              <a:t>int</a:t>
-            </a:r>
-            <a:r>
-              <a:rPr lang="en-IN" b="1" dirty="0"/>
-              <a:t> j = 0; j &lt; 2; j++)</a:t>
-            </a:r>
-          </a:p>
-          <a:p>
-            <a:r>
-              <a:rPr lang="en-IN" b="1" dirty="0"/>
-              <a:t>            if(</a:t>
-            </a:r>
-            <a:r>
-              <a:rPr lang="en-IN" b="1" dirty="0" err="1"/>
-              <a:t>arr</a:t>
-            </a:r>
-            <a:r>
-              <a:rPr lang="en-IN" b="1" dirty="0"/>
-              <a:t>[i][j] &gt; max)</a:t>
-            </a:r>
-          </a:p>
-          <a:p>
-            <a:r>
-              <a:rPr lang="en-IN" b="1" dirty="0"/>
-              <a:t>                max = </a:t>
-            </a:r>
-            <a:r>
-              <a:rPr lang="en-IN" b="1" dirty="0" err="1"/>
-              <a:t>arr</a:t>
-            </a:r>
-            <a:r>
-              <a:rPr lang="en-IN" b="1" dirty="0"/>
-              <a:t>[i][j];</a:t>
-            </a:r>
-          </a:p>
-          <a:p>
-            <a:endParaRPr lang="en-IN" b="1" dirty="0"/>
-          </a:p>
-          <a:p>
-            <a:r>
-              <a:rPr lang="en-IN" b="1" dirty="0"/>
-              <a:t>    </a:t>
-            </a:r>
-            <a:r>
-              <a:rPr lang="en-IN" b="1" dirty="0" err="1"/>
-              <a:t>cout</a:t>
-            </a:r>
-            <a:r>
-              <a:rPr lang="en-IN" b="1" dirty="0"/>
-              <a:t> &lt;&lt; "Maximum = " &lt;&lt; max;</a:t>
-            </a:r>
-          </a:p>
-          <a:p>
-            <a:r>
-              <a:rPr lang="en-IN" b="1" dirty="0"/>
-              <a:t>    return 0;</a:t>
-            </a:r>
-          </a:p>
-          <a:p>
-            <a:r>
-              <a:rPr lang="en-IN" b="1" dirty="0"/>
-              <a:t>}</a:t>
-            </a:r>
-          </a:p>
-        </p:txBody>
-      </p:sp>
-      <p:sp>
-        <p:nvSpPr>
-          <p:cNvPr id="11" name="Rectangle 10"/>
-          <p:cNvSpPr/>
-          <p:nvPr/>
-        </p:nvSpPr>
-        <p:spPr>
-          <a:xfrm>
-            <a:off x="8275484" y="6011102"/>
-            <a:ext cx="2296466" cy="430887"/>
-          </a:xfrm>
-          <a:prstGeom prst="rect">
-            <a:avLst/>
-          </a:prstGeom>
-          <a:solidFill>
-            <a:schemeClr val="tx1"/>
-          </a:solidFill>
-          <a:ln cmpd="tri">
-            <a:solidFill>
-              <a:schemeClr val="tx1"/>
-            </a:solidFill>
-          </a:ln>
-        </p:spPr>
-        <p:txBody>
-          <a:bodyPr wrap="square">
-            <a:spAutoFit/>
-          </a:bodyPr>
-          <a:lstStyle/>
-          <a:p>
-            <a:r>
-              <a:rPr lang="en-US" b="1" dirty="0">
-                <a:solidFill>
-                  <a:srgbClr val="FFFF00"/>
-                </a:solidFill>
-              </a:rPr>
-              <a:t>Maximum = 15</a:t>
-            </a:r>
-          </a:p>
-        </p:txBody>
-      </p:sp>
-    </p:spTree>
-    <p:extLst>
-      <p:ext uri="{BB962C8B-B14F-4D97-AF65-F5344CB8AC3E}">
-        <p14:creationId xmlns:p14="http://schemas.microsoft.com/office/powerpoint/2010/main" val="3378324771"/>
-      </p:ext>
-    </p:extLst>
-  </p:cSld>
-  <p:clrMapOvr>
-    <a:masterClrMapping/>
-  </p:clrMapOvr>
-  <p:timing>
-    <p:tnLst>
-      <p:par>
-        <p:cTn id="1" dur="indefinite" restart="never" nodeType="tmRoot"/>
-      </p:par>
-    </p:tnLst>
-  </p:timing>
-</p:sld>
-</file>
-
 <file path=ppt/slides/slide2.xml><?xml version="1.0" encoding="utf-8"?>
 <p:sld xmlns:a="http://schemas.openxmlformats.org/drawingml/2006/main" xmlns:r="http://schemas.openxmlformats.org/officeDocument/2006/relationships" xmlns:p="http://schemas.openxmlformats.org/presentationml/2006/main">
   <p:cSld>
@@ -9755,12 +6127,12 @@
           <a:lstStyle/>
           <a:p>
             <a:r>
-              <a:rPr lang="en-IN" b="1" dirty="0" smtClean="0"/>
-              <a:t>1. Input </a:t>
-            </a:r>
-            <a:r>
-              <a:rPr lang="en-IN" b="1" dirty="0"/>
-              <a:t>&amp; Print Elements</a:t>
+              <a:rPr lang="en-IN" b="1" dirty="0" smtClean="0">
+                <a:solidFill>
+                  <a:srgbClr val="002060"/>
+                </a:solidFill>
+              </a:rPr>
+              <a:t>Size of Array</a:t>
             </a:r>
             <a:endParaRPr lang="en-IN" b="1" dirty="0">
               <a:solidFill>
@@ -9772,268 +6144,68 @@
       </p:sp>
       <p:sp>
         <p:nvSpPr>
-          <p:cNvPr id="2" name="Rectangle 1"/>
-          <p:cNvSpPr/>
+          <p:cNvPr id="11" name="TextBox 10"/>
+          <p:cNvSpPr txBox="1"/>
           <p:nvPr/>
         </p:nvSpPr>
         <p:spPr>
           <a:xfrm>
-            <a:off x="648469" y="1296516"/>
-            <a:ext cx="5759450" cy="5847755"/>
+            <a:off x="611985" y="1080492"/>
+            <a:ext cx="7165276" cy="430887"/>
           </a:xfrm>
           <a:prstGeom prst="rect">
             <a:avLst/>
           </a:prstGeom>
-          <a:gradFill>
-            <a:gsLst>
-              <a:gs pos="0">
-                <a:schemeClr val="accent1">
-                  <a:tint val="66000"/>
-                  <a:satMod val="160000"/>
-                </a:schemeClr>
-              </a:gs>
-              <a:gs pos="50000">
-                <a:schemeClr val="accent1">
-                  <a:tint val="44500"/>
-                  <a:satMod val="160000"/>
-                </a:schemeClr>
-              </a:gs>
-              <a:gs pos="100000">
-                <a:schemeClr val="accent1">
-                  <a:tint val="23500"/>
-                  <a:satMod val="160000"/>
-                </a:schemeClr>
-              </a:gs>
-            </a:gsLst>
-            <a:lin ang="5400000" scaled="0"/>
-          </a:gradFill>
-          <a:ln cmpd="tri">
-            <a:noFill/>
-          </a:ln>
-        </p:spPr>
-        <p:txBody>
-          <a:bodyPr>
+          <a:noFill/>
+        </p:spPr>
+        <p:txBody>
+          <a:bodyPr wrap="square" rtlCol="0">
             <a:spAutoFit/>
           </a:bodyPr>
           <a:lstStyle/>
           <a:p>
             <a:r>
-              <a:rPr lang="en-IN" b="1" dirty="0"/>
-              <a:t>#include &lt;</a:t>
-            </a:r>
-            <a:r>
-              <a:rPr lang="en-IN" b="1" dirty="0" err="1"/>
-              <a:t>iostream</a:t>
-            </a:r>
-            <a:r>
-              <a:rPr lang="en-IN" b="1" dirty="0"/>
-              <a:t>&gt;</a:t>
-            </a:r>
-          </a:p>
-          <a:p>
-            <a:r>
-              <a:rPr lang="en-IN" b="1" dirty="0"/>
-              <a:t>using namespace </a:t>
-            </a:r>
-            <a:r>
-              <a:rPr lang="en-IN" b="1" dirty="0" err="1"/>
-              <a:t>std</a:t>
-            </a:r>
-            <a:r>
-              <a:rPr lang="en-IN" b="1" dirty="0"/>
-              <a:t>;</a:t>
-            </a:r>
-          </a:p>
-          <a:p>
-            <a:endParaRPr lang="en-IN" b="1" dirty="0"/>
-          </a:p>
-          <a:p>
-            <a:r>
-              <a:rPr lang="en-IN" b="1" dirty="0" err="1"/>
-              <a:t>int</a:t>
-            </a:r>
-            <a:r>
-              <a:rPr lang="en-IN" b="1" dirty="0"/>
-              <a:t> main() {</a:t>
-            </a:r>
-          </a:p>
-          <a:p>
-            <a:r>
-              <a:rPr lang="en-IN" b="1" dirty="0"/>
-              <a:t>    </a:t>
-            </a:r>
-            <a:r>
-              <a:rPr lang="en-IN" b="1" dirty="0" err="1"/>
-              <a:t>int</a:t>
-            </a:r>
-            <a:r>
-              <a:rPr lang="en-IN" b="1" dirty="0"/>
-              <a:t> </a:t>
-            </a:r>
-            <a:r>
-              <a:rPr lang="en-IN" b="1" dirty="0" err="1"/>
-              <a:t>arr</a:t>
-            </a:r>
-            <a:r>
-              <a:rPr lang="en-IN" b="1" dirty="0"/>
-              <a:t>[5];</a:t>
-            </a:r>
-          </a:p>
-          <a:p>
-            <a:r>
-              <a:rPr lang="en-IN" b="1" dirty="0"/>
-              <a:t>    </a:t>
-            </a:r>
-            <a:r>
-              <a:rPr lang="en-IN" b="1" dirty="0" err="1"/>
-              <a:t>cout</a:t>
-            </a:r>
-            <a:r>
-              <a:rPr lang="en-IN" b="1" dirty="0"/>
-              <a:t> &lt;&lt; "Enter 5 elements: ";</a:t>
-            </a:r>
-          </a:p>
-          <a:p>
-            <a:r>
-              <a:rPr lang="en-IN" b="1" dirty="0"/>
-              <a:t>    for(</a:t>
-            </a:r>
-            <a:r>
-              <a:rPr lang="en-IN" b="1" dirty="0" err="1"/>
-              <a:t>int</a:t>
-            </a:r>
-            <a:r>
-              <a:rPr lang="en-IN" b="1" dirty="0"/>
-              <a:t> i = 0; i &lt; 5; i++) {</a:t>
-            </a:r>
-          </a:p>
-          <a:p>
-            <a:r>
-              <a:rPr lang="en-IN" b="1" dirty="0"/>
-              <a:t>        </a:t>
-            </a:r>
-            <a:r>
-              <a:rPr lang="en-IN" b="1" dirty="0" err="1"/>
-              <a:t>cin</a:t>
-            </a:r>
-            <a:r>
-              <a:rPr lang="en-IN" b="1" dirty="0"/>
-              <a:t> &gt;&gt; </a:t>
-            </a:r>
-            <a:r>
-              <a:rPr lang="en-IN" b="1" dirty="0" err="1"/>
-              <a:t>arr</a:t>
-            </a:r>
-            <a:r>
-              <a:rPr lang="en-IN" b="1" dirty="0"/>
-              <a:t>[i];</a:t>
-            </a:r>
-          </a:p>
-          <a:p>
-            <a:r>
-              <a:rPr lang="en-IN" b="1" dirty="0"/>
-              <a:t>    }</a:t>
-            </a:r>
-          </a:p>
-          <a:p>
-            <a:endParaRPr lang="en-IN" b="1" dirty="0"/>
-          </a:p>
-          <a:p>
-            <a:r>
-              <a:rPr lang="en-IN" b="1" dirty="0"/>
-              <a:t>    </a:t>
-            </a:r>
-            <a:r>
-              <a:rPr lang="en-IN" b="1" dirty="0" err="1"/>
-              <a:t>cout</a:t>
-            </a:r>
-            <a:r>
-              <a:rPr lang="en-IN" b="1" dirty="0"/>
-              <a:t> &lt;&lt; "Array elements are: </a:t>
-            </a:r>
-            <a:r>
-              <a:rPr lang="en-IN" b="1" dirty="0" smtClean="0"/>
-              <a:t>“&lt;&lt;</a:t>
-            </a:r>
-            <a:r>
-              <a:rPr lang="en-IN" b="1" dirty="0" err="1" smtClean="0"/>
-              <a:t>endl</a:t>
-            </a:r>
-            <a:r>
-              <a:rPr lang="en-IN" b="1" dirty="0" smtClean="0"/>
-              <a:t>;</a:t>
-            </a:r>
-            <a:endParaRPr lang="en-IN" b="1" dirty="0"/>
-          </a:p>
-          <a:p>
-            <a:r>
-              <a:rPr lang="en-IN" b="1" dirty="0"/>
-              <a:t>    for(</a:t>
-            </a:r>
-            <a:r>
-              <a:rPr lang="en-IN" b="1" dirty="0" err="1"/>
-              <a:t>int</a:t>
-            </a:r>
-            <a:r>
-              <a:rPr lang="en-IN" b="1" dirty="0"/>
-              <a:t> i = 0; i &lt; 5; i++) {</a:t>
-            </a:r>
-          </a:p>
-          <a:p>
-            <a:r>
-              <a:rPr lang="en-IN" b="1" dirty="0"/>
-              <a:t>        </a:t>
-            </a:r>
-            <a:r>
-              <a:rPr lang="en-IN" b="1" dirty="0" err="1"/>
-              <a:t>cout</a:t>
-            </a:r>
-            <a:r>
-              <a:rPr lang="en-IN" b="1" dirty="0"/>
-              <a:t> &lt;&lt; </a:t>
-            </a:r>
-            <a:r>
-              <a:rPr lang="en-IN" b="1" dirty="0" err="1"/>
-              <a:t>arr</a:t>
-            </a:r>
-            <a:r>
-              <a:rPr lang="en-IN" b="1" dirty="0"/>
-              <a:t>[i] &lt;&lt; " ";</a:t>
-            </a:r>
-          </a:p>
-          <a:p>
-            <a:r>
-              <a:rPr lang="en-IN" b="1" dirty="0"/>
-              <a:t>    }</a:t>
-            </a:r>
-          </a:p>
-          <a:p>
-            <a:endParaRPr lang="en-IN" b="1" dirty="0"/>
-          </a:p>
-          <a:p>
-            <a:r>
-              <a:rPr lang="en-IN" b="1" dirty="0"/>
-              <a:t>    return 0;</a:t>
-            </a:r>
-          </a:p>
-          <a:p>
-            <a:r>
-              <a:rPr lang="en-IN" b="1" dirty="0"/>
-              <a:t>}</a:t>
-            </a:r>
-          </a:p>
-        </p:txBody>
-      </p:sp>
-      <p:sp>
-        <p:nvSpPr>
-          <p:cNvPr id="11" name="Rectangle 10"/>
+              <a:rPr lang="en-US" b="1" dirty="0">
+                <a:solidFill>
+                  <a:srgbClr val="002060"/>
+                </a:solidFill>
+              </a:rPr>
+              <a:t>Method 1: Using </a:t>
+            </a:r>
+            <a:r>
+              <a:rPr lang="en-US" b="1" dirty="0" err="1">
+                <a:solidFill>
+                  <a:srgbClr val="002060"/>
+                </a:solidFill>
+              </a:rPr>
+              <a:t>sizeof</a:t>
+            </a:r>
+            <a:r>
+              <a:rPr lang="en-US" b="1" dirty="0">
+                <a:solidFill>
+                  <a:srgbClr val="002060"/>
+                </a:solidFill>
+              </a:rPr>
+              <a:t>() (Works in all C++ versions)</a:t>
+            </a:r>
+            <a:endParaRPr lang="en-IN" b="1" dirty="0">
+              <a:solidFill>
+                <a:srgbClr val="002060"/>
+              </a:solidFill>
+            </a:endParaRPr>
+          </a:p>
+        </p:txBody>
+      </p:sp>
+      <p:sp>
+        <p:nvSpPr>
+          <p:cNvPr id="3" name="Rectangle 2"/>
           <p:cNvSpPr/>
           <p:nvPr/>
         </p:nvSpPr>
         <p:spPr>
           <a:xfrm>
-            <a:off x="6407919" y="6374830"/>
-            <a:ext cx="3456384" cy="769441"/>
+            <a:off x="746698" y="1584548"/>
+            <a:ext cx="3862211" cy="430887"/>
           </a:xfrm>
           <a:prstGeom prst="rect">
             <a:avLst/>
@@ -10041,11 +6213,102 @@
           <a:solidFill>
             <a:schemeClr val="tx1"/>
           </a:solidFill>
-          <a:ln cmpd="tri">
-            <a:solidFill>
-              <a:schemeClr val="tx1"/>
-            </a:solidFill>
-          </a:ln>
+        </p:spPr>
+        <p:txBody>
+          <a:bodyPr wrap="none">
+            <a:spAutoFit/>
+          </a:bodyPr>
+          <a:lstStyle/>
+          <a:p>
+            <a:r>
+              <a:rPr lang="en-IN" b="1" dirty="0">
+                <a:solidFill>
+                  <a:srgbClr val="FFFF00"/>
+                </a:solidFill>
+              </a:rPr>
+              <a:t>Size = </a:t>
+            </a:r>
+            <a:r>
+              <a:rPr lang="en-IN" b="1" dirty="0" err="1">
+                <a:solidFill>
+                  <a:srgbClr val="FFFF00"/>
+                </a:solidFill>
+              </a:rPr>
+              <a:t>sizeof</a:t>
+            </a:r>
+            <a:r>
+              <a:rPr lang="en-IN" b="1" dirty="0">
+                <a:solidFill>
+                  <a:srgbClr val="FFFF00"/>
+                </a:solidFill>
+              </a:rPr>
+              <a:t>(</a:t>
+            </a:r>
+            <a:r>
+              <a:rPr lang="en-IN" b="1" dirty="0" err="1">
+                <a:solidFill>
+                  <a:srgbClr val="FFFF00"/>
+                </a:solidFill>
+              </a:rPr>
+              <a:t>arr</a:t>
+            </a:r>
+            <a:r>
+              <a:rPr lang="en-IN" b="1" dirty="0">
+                <a:solidFill>
+                  <a:srgbClr val="FFFF00"/>
+                </a:solidFill>
+              </a:rPr>
+              <a:t>) / </a:t>
+            </a:r>
+            <a:r>
+              <a:rPr lang="en-IN" b="1" dirty="0" err="1">
+                <a:solidFill>
+                  <a:srgbClr val="FFFF00"/>
+                </a:solidFill>
+              </a:rPr>
+              <a:t>sizeof</a:t>
+            </a:r>
+            <a:r>
+              <a:rPr lang="en-IN" b="1" dirty="0">
+                <a:solidFill>
+                  <a:srgbClr val="FFFF00"/>
+                </a:solidFill>
+              </a:rPr>
+              <a:t>(</a:t>
+            </a:r>
+            <a:r>
+              <a:rPr lang="en-IN" b="1" dirty="0" err="1">
+                <a:solidFill>
+                  <a:srgbClr val="FFFF00"/>
+                </a:solidFill>
+              </a:rPr>
+              <a:t>arr</a:t>
+            </a:r>
+            <a:r>
+              <a:rPr lang="en-IN" b="1" dirty="0">
+                <a:solidFill>
+                  <a:srgbClr val="FFFF00"/>
+                </a:solidFill>
+              </a:rPr>
+              <a:t>[0])</a:t>
+            </a:r>
+          </a:p>
+        </p:txBody>
+      </p:sp>
+      <p:sp>
+        <p:nvSpPr>
+          <p:cNvPr id="6" name="Rectangle 5"/>
+          <p:cNvSpPr/>
+          <p:nvPr/>
+        </p:nvSpPr>
+        <p:spPr>
+          <a:xfrm>
+            <a:off x="746698" y="2016596"/>
+            <a:ext cx="7102571" cy="2123658"/>
+          </a:xfrm>
+          <a:prstGeom prst="rect">
+            <a:avLst/>
+          </a:prstGeom>
         </p:spPr>
         <p:txBody>
           <a:bodyPr wrap="square">
@@ -10054,39 +6317,466 @@
           <a:lstStyle/>
           <a:p>
             <a:r>
-              <a:rPr lang="en-US" b="1" dirty="0">
-                <a:solidFill>
-                  <a:srgbClr val="FFFF00"/>
-                </a:solidFill>
-              </a:rPr>
-              <a:t>Array elements are: </a:t>
-            </a:r>
-            <a:endParaRPr lang="en-US" b="1" dirty="0" smtClean="0">
+              <a:rPr lang="en-IN" b="1" dirty="0" err="1">
+                <a:solidFill>
+                  <a:srgbClr val="002060"/>
+                </a:solidFill>
+              </a:rPr>
+              <a:t>int</a:t>
+            </a:r>
+            <a:r>
+              <a:rPr lang="en-IN" b="1" dirty="0">
+                <a:solidFill>
+                  <a:srgbClr val="002060"/>
+                </a:solidFill>
+              </a:rPr>
+              <a:t> </a:t>
+            </a:r>
+            <a:r>
+              <a:rPr lang="en-IN" b="1" dirty="0" err="1">
+                <a:solidFill>
+                  <a:srgbClr val="002060"/>
+                </a:solidFill>
+              </a:rPr>
+              <a:t>arr</a:t>
+            </a:r>
+            <a:r>
+              <a:rPr lang="en-IN" b="1" dirty="0">
+                <a:solidFill>
+                  <a:srgbClr val="002060"/>
+                </a:solidFill>
+              </a:rPr>
+              <a:t>[] = {10, 20, 30, 40, 50</a:t>
+            </a:r>
+            <a:r>
+              <a:rPr lang="en-IN" b="1" dirty="0" smtClean="0">
+                <a:solidFill>
+                  <a:srgbClr val="002060"/>
+                </a:solidFill>
+              </a:rPr>
+              <a:t>};</a:t>
+            </a:r>
+          </a:p>
+          <a:p>
+            <a:endParaRPr lang="en-IN" b="1" dirty="0" smtClean="0">
               <a:solidFill>
-                <a:srgbClr val="FFFF00"/>
+                <a:srgbClr val="002060"/>
               </a:solidFill>
             </a:endParaRPr>
           </a:p>
           <a:p>
+            <a:pPr marL="342900" indent="-342900">
+              <a:buFont typeface="Wingdings" pitchFamily="2" charset="2"/>
+              <a:buChar char="Ø"/>
+            </a:pPr>
+            <a:r>
+              <a:rPr lang="en-US" b="1" dirty="0" err="1">
+                <a:solidFill>
+                  <a:srgbClr val="002060"/>
+                </a:solidFill>
+              </a:rPr>
+              <a:t>sizeof</a:t>
+            </a:r>
+            <a:r>
+              <a:rPr lang="en-US" b="1" dirty="0">
+                <a:solidFill>
+                  <a:srgbClr val="002060"/>
+                </a:solidFill>
+              </a:rPr>
+              <a:t>(</a:t>
+            </a:r>
+            <a:r>
+              <a:rPr lang="en-US" b="1" dirty="0" err="1">
+                <a:solidFill>
+                  <a:srgbClr val="002060"/>
+                </a:solidFill>
+              </a:rPr>
+              <a:t>arr</a:t>
+            </a:r>
+            <a:r>
+              <a:rPr lang="en-US" b="1" dirty="0">
+                <a:solidFill>
+                  <a:srgbClr val="002060"/>
+                </a:solidFill>
+              </a:rPr>
+              <a:t>) → 5 elements × 4 bytes each = 20 bytes</a:t>
+            </a:r>
+          </a:p>
+          <a:p>
+            <a:pPr marL="342900" indent="-342900">
+              <a:buFont typeface="Wingdings" pitchFamily="2" charset="2"/>
+              <a:buChar char="Ø"/>
+            </a:pPr>
+            <a:r>
+              <a:rPr lang="en-US" b="1" dirty="0" err="1">
+                <a:solidFill>
+                  <a:srgbClr val="002060"/>
+                </a:solidFill>
+              </a:rPr>
+              <a:t>sizeof</a:t>
+            </a:r>
+            <a:r>
+              <a:rPr lang="en-US" b="1" dirty="0">
+                <a:solidFill>
+                  <a:srgbClr val="002060"/>
+                </a:solidFill>
+              </a:rPr>
+              <a:t>(</a:t>
+            </a:r>
+            <a:r>
+              <a:rPr lang="en-US" b="1" dirty="0" err="1">
+                <a:solidFill>
+                  <a:srgbClr val="002060"/>
+                </a:solidFill>
+              </a:rPr>
+              <a:t>arr</a:t>
+            </a:r>
+            <a:r>
+              <a:rPr lang="en-US" b="1" dirty="0">
+                <a:solidFill>
+                  <a:srgbClr val="002060"/>
+                </a:solidFill>
+              </a:rPr>
+              <a:t>[0]) → size of first element (</a:t>
+            </a:r>
+            <a:r>
+              <a:rPr lang="en-US" b="1" dirty="0" err="1">
+                <a:solidFill>
+                  <a:srgbClr val="002060"/>
+                </a:solidFill>
+              </a:rPr>
+              <a:t>int</a:t>
+            </a:r>
+            <a:r>
+              <a:rPr lang="en-US" b="1" dirty="0">
+                <a:solidFill>
+                  <a:srgbClr val="002060"/>
+                </a:solidFill>
+              </a:rPr>
+              <a:t>) = 4 bytes</a:t>
+            </a:r>
+          </a:p>
+          <a:p>
+            <a:pPr marL="342900" indent="-342900">
+              <a:buFont typeface="Wingdings" pitchFamily="2" charset="2"/>
+              <a:buChar char="Ø"/>
+            </a:pPr>
+            <a:r>
+              <a:rPr lang="en-US" b="1" dirty="0">
+                <a:solidFill>
+                  <a:srgbClr val="002060"/>
+                </a:solidFill>
+              </a:rPr>
+              <a:t>So, </a:t>
+            </a:r>
+            <a:r>
+              <a:rPr lang="en-US" b="1" dirty="0" err="1">
+                <a:solidFill>
+                  <a:srgbClr val="002060"/>
+                </a:solidFill>
+              </a:rPr>
+              <a:t>sizeof</a:t>
+            </a:r>
+            <a:r>
+              <a:rPr lang="en-US" b="1" dirty="0">
+                <a:solidFill>
+                  <a:srgbClr val="002060"/>
+                </a:solidFill>
+              </a:rPr>
+              <a:t>(</a:t>
+            </a:r>
+            <a:r>
+              <a:rPr lang="en-US" b="1" dirty="0" err="1">
+                <a:solidFill>
+                  <a:srgbClr val="002060"/>
+                </a:solidFill>
+              </a:rPr>
+              <a:t>arr</a:t>
+            </a:r>
+            <a:r>
+              <a:rPr lang="en-US" b="1" dirty="0">
+                <a:solidFill>
+                  <a:srgbClr val="002060"/>
+                </a:solidFill>
+              </a:rPr>
+              <a:t>) / </a:t>
+            </a:r>
+            <a:r>
+              <a:rPr lang="en-US" b="1" dirty="0" err="1">
+                <a:solidFill>
+                  <a:srgbClr val="002060"/>
+                </a:solidFill>
+              </a:rPr>
+              <a:t>sizeof</a:t>
+            </a:r>
+            <a:r>
+              <a:rPr lang="en-US" b="1" dirty="0">
+                <a:solidFill>
+                  <a:srgbClr val="002060"/>
+                </a:solidFill>
+              </a:rPr>
+              <a:t>(</a:t>
+            </a:r>
+            <a:r>
+              <a:rPr lang="en-US" b="1" dirty="0" err="1">
+                <a:solidFill>
+                  <a:srgbClr val="002060"/>
+                </a:solidFill>
+              </a:rPr>
+              <a:t>arr</a:t>
+            </a:r>
+            <a:r>
+              <a:rPr lang="en-US" b="1" dirty="0">
+                <a:solidFill>
+                  <a:srgbClr val="002060"/>
+                </a:solidFill>
+              </a:rPr>
+              <a:t>[0]) = 20 / 4 = 5</a:t>
+            </a:r>
+          </a:p>
+          <a:p>
+            <a:endParaRPr lang="en-IN" b="1" dirty="0">
+              <a:solidFill>
+                <a:srgbClr val="002060"/>
+              </a:solidFill>
+            </a:endParaRPr>
+          </a:p>
+        </p:txBody>
+      </p:sp>
+      <p:sp>
+        <p:nvSpPr>
+          <p:cNvPr id="16" name="TextBox 15"/>
+          <p:cNvSpPr txBox="1"/>
+          <p:nvPr/>
+        </p:nvSpPr>
+        <p:spPr>
+          <a:xfrm>
+            <a:off x="764385" y="4466029"/>
+            <a:ext cx="7165276" cy="430887"/>
+          </a:xfrm>
+          <a:prstGeom prst="rect">
+            <a:avLst/>
+          </a:prstGeom>
+          <a:noFill/>
+        </p:spPr>
+        <p:txBody>
+          <a:bodyPr wrap="square" rtlCol="0">
+            <a:spAutoFit/>
+          </a:bodyPr>
+          <a:lstStyle/>
+          <a:p>
+            <a:r>
+              <a:rPr lang="en-US" b="1" dirty="0">
+                <a:solidFill>
+                  <a:srgbClr val="002060"/>
+                </a:solidFill>
+              </a:rPr>
+              <a:t>Method 2: Using </a:t>
+            </a:r>
+            <a:r>
+              <a:rPr lang="en-US" b="1" dirty="0" err="1">
+                <a:solidFill>
+                  <a:srgbClr val="002060"/>
+                </a:solidFill>
+              </a:rPr>
+              <a:t>std</a:t>
+            </a:r>
+            <a:r>
+              <a:rPr lang="en-US" b="1" dirty="0">
+                <a:solidFill>
+                  <a:srgbClr val="002060"/>
+                </a:solidFill>
+              </a:rPr>
+              <a:t>::size() (C++17 and above)</a:t>
+            </a:r>
+            <a:endParaRPr lang="en-IN" b="1" dirty="0">
+              <a:solidFill>
+                <a:srgbClr val="002060"/>
+              </a:solidFill>
+            </a:endParaRPr>
+          </a:p>
+        </p:txBody>
+      </p:sp>
+      <p:sp>
+        <p:nvSpPr>
+          <p:cNvPr id="17" name="Rectangle 16"/>
+          <p:cNvSpPr/>
+          <p:nvPr/>
+        </p:nvSpPr>
+        <p:spPr>
+          <a:xfrm>
+            <a:off x="899098" y="4968924"/>
+            <a:ext cx="2444131" cy="430887"/>
+          </a:xfrm>
+          <a:prstGeom prst="rect">
+            <a:avLst/>
+          </a:prstGeom>
+          <a:solidFill>
+            <a:schemeClr val="tx1"/>
+          </a:solidFill>
+        </p:spPr>
+        <p:txBody>
+          <a:bodyPr wrap="none">
+            <a:spAutoFit/>
+          </a:bodyPr>
+          <a:lstStyle/>
+          <a:p>
+            <a:r>
+              <a:rPr lang="en-IN" b="1" dirty="0">
+                <a:solidFill>
+                  <a:srgbClr val="FFFF00"/>
+                </a:solidFill>
+              </a:rPr>
+              <a:t>Size = </a:t>
+            </a:r>
+            <a:r>
+              <a:rPr lang="en-IN" b="1" dirty="0" err="1">
+                <a:solidFill>
+                  <a:srgbClr val="FFFF00"/>
+                </a:solidFill>
+              </a:rPr>
+              <a:t>std</a:t>
+            </a:r>
+            <a:r>
+              <a:rPr lang="en-IN" b="1" dirty="0">
+                <a:solidFill>
+                  <a:srgbClr val="FFFF00"/>
+                </a:solidFill>
+              </a:rPr>
+              <a:t>::size(</a:t>
+            </a:r>
+            <a:r>
+              <a:rPr lang="en-IN" b="1" dirty="0" err="1">
+                <a:solidFill>
+                  <a:srgbClr val="FFFF00"/>
+                </a:solidFill>
+              </a:rPr>
+              <a:t>arr</a:t>
+            </a:r>
+            <a:r>
+              <a:rPr lang="en-IN" b="1" dirty="0">
+                <a:solidFill>
+                  <a:srgbClr val="FFFF00"/>
+                </a:solidFill>
+              </a:rPr>
+              <a:t>);</a:t>
+            </a:r>
+          </a:p>
+        </p:txBody>
+      </p:sp>
+      <p:sp>
+        <p:nvSpPr>
+          <p:cNvPr id="18" name="Rectangle 17"/>
+          <p:cNvSpPr/>
+          <p:nvPr/>
+        </p:nvSpPr>
+        <p:spPr>
+          <a:xfrm>
+            <a:off x="899098" y="5616996"/>
+            <a:ext cx="7102571" cy="1107996"/>
+          </a:xfrm>
+          <a:prstGeom prst="rect">
+            <a:avLst/>
+          </a:prstGeom>
+        </p:spPr>
+        <p:txBody>
+          <a:bodyPr wrap="square">
+            <a:spAutoFit/>
+          </a:bodyPr>
+          <a:lstStyle/>
+          <a:p>
+            <a:r>
+              <a:rPr lang="en-US" b="1" dirty="0" err="1">
+                <a:solidFill>
+                  <a:srgbClr val="002060"/>
+                </a:solidFill>
+              </a:rPr>
+              <a:t>int</a:t>
+            </a:r>
+            <a:r>
+              <a:rPr lang="en-US" b="1" dirty="0">
+                <a:solidFill>
+                  <a:srgbClr val="002060"/>
+                </a:solidFill>
+              </a:rPr>
+              <a:t> </a:t>
+            </a:r>
+            <a:r>
+              <a:rPr lang="en-US" b="1" dirty="0" err="1">
+                <a:solidFill>
+                  <a:srgbClr val="002060"/>
+                </a:solidFill>
+              </a:rPr>
+              <a:t>arr</a:t>
+            </a:r>
+            <a:r>
+              <a:rPr lang="en-US" b="1" dirty="0">
+                <a:solidFill>
+                  <a:srgbClr val="002060"/>
+                </a:solidFill>
+              </a:rPr>
+              <a:t>[] = {10, 20, 30, 40, 50};</a:t>
+            </a:r>
+          </a:p>
+          <a:p>
+            <a:endParaRPr lang="en-US" b="1" dirty="0">
+              <a:solidFill>
+                <a:srgbClr val="002060"/>
+              </a:solidFill>
+            </a:endParaRPr>
+          </a:p>
+          <a:p>
+            <a:r>
+              <a:rPr lang="en-US" b="1" dirty="0" err="1">
+                <a:solidFill>
+                  <a:srgbClr val="002060"/>
+                </a:solidFill>
+              </a:rPr>
+              <a:t>int</a:t>
+            </a:r>
+            <a:r>
+              <a:rPr lang="en-US" b="1" dirty="0">
+                <a:solidFill>
+                  <a:srgbClr val="002060"/>
+                </a:solidFill>
+              </a:rPr>
+              <a:t> size = </a:t>
+            </a:r>
+            <a:r>
+              <a:rPr lang="en-US" b="1" dirty="0" err="1">
+                <a:solidFill>
+                  <a:srgbClr val="002060"/>
+                </a:solidFill>
+              </a:rPr>
+              <a:t>std</a:t>
+            </a:r>
+            <a:r>
+              <a:rPr lang="en-US" b="1" dirty="0">
+                <a:solidFill>
+                  <a:srgbClr val="002060"/>
+                </a:solidFill>
+              </a:rPr>
+              <a:t>::size(</a:t>
+            </a:r>
+            <a:r>
+              <a:rPr lang="en-US" b="1" dirty="0" err="1">
+                <a:solidFill>
+                  <a:srgbClr val="002060"/>
+                </a:solidFill>
+              </a:rPr>
+              <a:t>arr</a:t>
+            </a:r>
             <a:r>
               <a:rPr lang="en-US" b="1" dirty="0" smtClean="0">
                 <a:solidFill>
-                  <a:srgbClr val="FFFF00"/>
-                </a:solidFill>
-              </a:rPr>
-              <a:t>10 </a:t>
-            </a:r>
-            <a:r>
-              <a:rPr lang="en-US" b="1" dirty="0">
-                <a:solidFill>
-                  <a:srgbClr val="FFFF00"/>
-                </a:solidFill>
-              </a:rPr>
-              <a:t>20 30 40 50</a:t>
-            </a:r>
-            <a:endParaRPr lang="en-IN" b="1" dirty="0" smtClean="0">
+                  <a:srgbClr val="002060"/>
+                </a:solidFill>
+              </a:rPr>
+              <a:t>);   // size=5</a:t>
+            </a:r>
+            <a:endParaRPr lang="en-IN" b="1" dirty="0">
               <a:solidFill>
-                <a:srgbClr val="FFFF00"/>
+                <a:srgbClr val="002060"/>
               </a:solidFill>
             </a:endParaRPr>
           </a:p>
@@ -10095,7 +6785,7 @@
     </p:spTree>
     <p:extLst>
       <p:ext uri="{BB962C8B-B14F-4D97-AF65-F5344CB8AC3E}">
-        <p14:creationId xmlns:p14="http://schemas.microsoft.com/office/powerpoint/2010/main" val="1701351830"/>
+        <p14:creationId xmlns:p14="http://schemas.microsoft.com/office/powerpoint/2010/main" val="1051866350"/>
       </p:ext>
     </p:extLst>
   </p:cSld>
@@ -10183,11 +6873,11 @@
           <a:p>
             <a:r>
               <a:rPr lang="en-IN" b="1" dirty="0" smtClean="0"/>
-              <a:t>2. Sum </a:t>
+              <a:t>1. Input </a:t>
             </a:r>
             <a:r>
               <a:rPr lang="en-IN" b="1" dirty="0"/>
-              <a:t>of Elements</a:t>
+              <a:t>&amp; Print Elements</a:t>
             </a:r>
             <a:endParaRPr lang="en-IN" b="1" dirty="0">
               <a:solidFill>
@@ -10206,7 +6896,7 @@
         <p:spPr>
           <a:xfrm>
             <a:off x="648469" y="1296516"/>
-            <a:ext cx="5759450" cy="4493538"/>
+            <a:ext cx="5759450" cy="5847755"/>
           </a:xfrm>
           <a:prstGeom prst="rect">
             <a:avLst/>
@@ -10303,11 +6993,22 @@
             </a:r>
             <a:r>
               <a:rPr lang="en-IN" b="1" dirty="0"/>
-              <a:t>[5] = {10, 20, 30, 40, 50}, sum = 0;</a:t>
-            </a:r>
-          </a:p>
-          <a:p>
-            <a:endParaRPr lang="en-IN" b="1" dirty="0"/>
+              <a:t>[5];</a:t>
+            </a:r>
+          </a:p>
+          <a:p>
+            <a:r>
+              <a:rPr lang="en-IN" b="1" dirty="0"/>
+              <a:t>    </a:t>
+            </a:r>
+            <a:r>
+              <a:rPr lang="en-IN" b="1" dirty="0" err="1"/>
+              <a:t>cout</a:t>
+            </a:r>
+            <a:r>
+              <a:rPr lang="en-IN" b="1" dirty="0"/>
+              <a:t> &lt;&lt; "Enter 5 elements: ";</a:t>
+            </a:r>
           </a:p>
           <a:p>
             <a:r>
@@ -10326,7 +7027,15 @@
           <a:p>
             <a:r>
               <a:rPr lang="en-IN" b="1" dirty="0"/>
-              <a:t>        sum += </a:t>
+              <a:t>        </a:t>
+            </a:r>
+            <a:r>
+              <a:rPr lang="en-IN" b="1" dirty="0" err="1"/>
+              <a:t>cin</a:t>
+            </a:r>
+            <a:r>
+              <a:rPr lang="en-IN" b="1" dirty="0"/>
+              <a:t> &gt;&gt; </a:t>
             </a:r>
             <a:r>
               <a:rPr lang="en-IN" b="1" dirty="0" err="1"/>
@@ -10357,8 +7066,66 @@
             </a:r>
             <a:r>
               <a:rPr lang="en-IN" b="1" dirty="0"/>
-              <a:t> &lt;&lt; "Sum = " &lt;&lt; sum;</a:t>
-            </a:r>
+              <a:t> &lt;&lt; "Array elements are: </a:t>
+            </a:r>
+            <a:r>
+              <a:rPr lang="en-IN" b="1" dirty="0" smtClean="0"/>
+              <a:t>“&lt;&lt;</a:t>
+            </a:r>
+            <a:r>
+              <a:rPr lang="en-IN" b="1" dirty="0" err="1" smtClean="0"/>
+              <a:t>endl</a:t>
+            </a:r>
+            <a:r>
+              <a:rPr lang="en-IN" b="1" dirty="0" smtClean="0"/>
+              <a:t>;</a:t>
+            </a:r>
+            <a:endParaRPr lang="en-IN" b="1" dirty="0"/>
+          </a:p>
+          <a:p>
+            <a:r>
+              <a:rPr lang="en-IN" b="1" dirty="0"/>
+              <a:t>    for(</a:t>
+            </a:r>
+            <a:r>
+              <a:rPr lang="en-IN" b="1" dirty="0" err="1"/>
+              <a:t>int</a:t>
+            </a:r>
+            <a:r>
+              <a:rPr lang="en-IN" b="1" dirty="0"/>
+              <a:t> i = 0; i &lt; 5; i++) {</a:t>
+            </a:r>
+          </a:p>
+          <a:p>
+            <a:r>
+              <a:rPr lang="en-IN" b="1" dirty="0"/>
+              <a:t>        </a:t>
+            </a:r>
+            <a:r>
+              <a:rPr lang="en-IN" b="1" dirty="0" err="1"/>
+              <a:t>cout</a:t>
+            </a:r>
+            <a:r>
+              <a:rPr lang="en-IN" b="1" dirty="0"/>
+              <a:t> &lt;&lt; </a:t>
+            </a:r>
+            <a:r>
+              <a:rPr lang="en-IN" b="1" dirty="0" err="1"/>
+              <a:t>arr</a:t>
+            </a:r>
+            <a:r>
+              <a:rPr lang="en-IN" b="1" dirty="0"/>
+              <a:t>[i] &lt;&lt; " ";</a:t>
+            </a:r>
+          </a:p>
+          <a:p>
+            <a:r>
+              <a:rPr lang="en-IN" b="1" dirty="0"/>
+              <a:t>    }</a:t>
+            </a:r>
+          </a:p>
+          <a:p>
+            <a:endParaRPr lang="en-IN" b="1" dirty="0"/>
           </a:p>
           <a:p>
             <a:r>
@@ -10382,8 +7149,8 @@
         </p:nvSpPr>
         <p:spPr>
           <a:xfrm>
-            <a:off x="6418826" y="5330244"/>
-            <a:ext cx="3456384" cy="430887"/>
+            <a:off x="6407919" y="6374830"/>
+            <a:ext cx="3456384" cy="769441"/>
           </a:xfrm>
           <a:prstGeom prst="rect">
             <a:avLst/>
@@ -10409,7 +7176,30 @@
                   <a:srgbClr val="FFFF00"/>
                 </a:solidFill>
               </a:rPr>
-              <a:t>Sum = 150</a:t>
+              <a:t>Array elements are: </a:t>
+            </a:r>
+            <a:endParaRPr lang="en-US" b="1" dirty="0" smtClean="0">
+              <a:solidFill>
+                <a:srgbClr val="FFFF00"/>
+              </a:solidFill>
+            </a:endParaRPr>
+          </a:p>
+          <a:p>
+            <a:r>
+              <a:rPr lang="en-US" b="1" dirty="0" smtClean="0">
+                <a:solidFill>
+                  <a:srgbClr val="FFFF00"/>
+                </a:solidFill>
+              </a:rPr>
+              <a:t>10 </a:t>
+            </a:r>
+            <a:r>
+              <a:rPr lang="en-US" b="1" dirty="0">
+                <a:solidFill>
+                  <a:srgbClr val="FFFF00"/>
+                </a:solidFill>
+              </a:rPr>
+              <a:t>20 30 40 50</a:t>
             </a:r>
             <a:endParaRPr lang="en-IN" b="1" dirty="0" smtClean="0">
               <a:solidFill>
@@ -10422,7 +7212,7 @@
     </p:spTree>
     <p:extLst>
       <p:ext uri="{BB962C8B-B14F-4D97-AF65-F5344CB8AC3E}">
-        <p14:creationId xmlns:p14="http://schemas.microsoft.com/office/powerpoint/2010/main" val="2481880282"/>
+        <p14:creationId xmlns:p14="http://schemas.microsoft.com/office/powerpoint/2010/main" val="1701351830"/>
       </p:ext>
     </p:extLst>
   </p:cSld>
@@ -10510,11 +7300,11 @@
           <a:p>
             <a:r>
               <a:rPr lang="en-IN" b="1" dirty="0" smtClean="0"/>
-              <a:t>3.Find </a:t>
+              <a:t>2. Sum </a:t>
             </a:r>
             <a:r>
               <a:rPr lang="en-IN" b="1" dirty="0"/>
-              <a:t>Maximum Element</a:t>
+              <a:t>of Elements</a:t>
             </a:r>
             <a:endParaRPr lang="en-IN" b="1" dirty="0">
               <a:solidFill>
@@ -10533,7 +7323,7 @@
         <p:spPr>
           <a:xfrm>
             <a:off x="648469" y="1296516"/>
-            <a:ext cx="5759450" cy="4832092"/>
+            <a:ext cx="5759450" cy="4493538"/>
           </a:xfrm>
           <a:prstGeom prst="rect">
             <a:avLst/>
@@ -10630,7 +7420,30 @@
             </a:r>
             <a:r>
               <a:rPr lang="en-IN" b="1" dirty="0"/>
-              <a:t>[5] = {25, 10, 45, 30, 5}, max = </a:t>
+              <a:t>[5] = {10, 20, 30, 40, 50}, sum = 0;</a:t>
+            </a:r>
+          </a:p>
+          <a:p>
+            <a:endParaRPr lang="en-IN" b="1" dirty="0"/>
+          </a:p>
+          <a:p>
+            <a:r>
+              <a:rPr lang="en-IN" b="1" dirty="0"/>
+              <a:t>    for(</a:t>
+            </a:r>
+            <a:r>
+              <a:rPr lang="en-IN" b="1" dirty="0" err="1"/>
+              <a:t>int</a:t>
+            </a:r>
+            <a:r>
+              <a:rPr lang="en-IN" b="1" dirty="0"/>
+              <a:t> i = 0; i &lt; 5; i++) {</a:t>
+            </a:r>
+          </a:p>
+          <a:p>
+            <a:r>
+              <a:rPr lang="en-IN" b="1" dirty="0"/>
+              <a:t>        sum += </a:t>
             </a:r>
             <a:r>
               <a:rPr lang="en-IN" b="1" dirty="0" err="1"/>
@@ -10638,51 +7451,6 @@
             </a:r>
             <a:r>
               <a:rPr lang="en-IN" b="1" dirty="0"/>
-              <a:t>[0];</a:t>
-            </a:r>
-          </a:p>
-          <a:p>
-            <a:endParaRPr lang="en-IN" b="1" dirty="0"/>
-          </a:p>
-          <a:p>
-            <a:r>
-              <a:rPr lang="en-IN" b="1" dirty="0"/>
-              <a:t>    for(</a:t>
-            </a:r>
-            <a:r>
-              <a:rPr lang="en-IN" b="1" dirty="0" err="1"/>
-              <a:t>int</a:t>
-            </a:r>
-            <a:r>
-              <a:rPr lang="en-IN" b="1" dirty="0"/>
-              <a:t> i = 1; i &lt; 5; i++) {</a:t>
-            </a:r>
-          </a:p>
-          <a:p>
-            <a:r>
-              <a:rPr lang="en-IN" b="1" dirty="0"/>
-              <a:t>        if(</a:t>
-            </a:r>
-            <a:r>
-              <a:rPr lang="en-IN" b="1" dirty="0" err="1"/>
-              <a:t>arr</a:t>
-            </a:r>
-            <a:r>
-              <a:rPr lang="en-IN" b="1" dirty="0"/>
-              <a:t>[i] &gt; max)</a:t>
-            </a:r>
-          </a:p>
-          <a:p>
-            <a:r>
-              <a:rPr lang="en-IN" b="1" dirty="0"/>
-              <a:t>            max = </a:t>
-            </a:r>
-            <a:r>
-              <a:rPr lang="en-IN" b="1" dirty="0" err="1"/>
-              <a:t>arr</a:t>
-            </a:r>
-            <a:r>
-              <a:rPr lang="en-IN" b="1" dirty="0"/>
               <a:t>[i];</a:t>
             </a:r>
           </a:p>
@@ -10706,7 +7474,7 @@
             </a:r>
             <a:r>
               <a:rPr lang="en-IN" b="1" dirty="0"/>
-              <a:t> &lt;&lt; "Maximum = " &lt;&lt; max;</a:t>
+              <a:t> &lt;&lt; "Sum = " &lt;&lt; sum;</a:t>
             </a:r>
           </a:p>
           <a:p>
@@ -10758,7 +7526,7 @@
                   <a:srgbClr val="FFFF00"/>
                 </a:solidFill>
               </a:rPr>
-              <a:t>Maximum = 45</a:t>
+              <a:t>Sum = 150</a:t>
             </a:r>
             <a:endParaRPr lang="en-IN" b="1" dirty="0" smtClean="0">
               <a:solidFill>
@@ -10771,7 +7539,7 @@
     </p:spTree>
     <p:extLst>
       <p:ext uri="{BB962C8B-B14F-4D97-AF65-F5344CB8AC3E}">
-        <p14:creationId xmlns:p14="http://schemas.microsoft.com/office/powerpoint/2010/main" val="839328485"/>
+        <p14:creationId xmlns:p14="http://schemas.microsoft.com/office/powerpoint/2010/main" val="2481880282"/>
       </p:ext>
     </p:extLst>
   </p:cSld>
